--- a/20151104818_haoriwa_airplane/毕设资料/浩日瓦.pptx
+++ b/20151104818_haoriwa_airplane/毕设资料/浩日瓦.pptx
@@ -5,15 +5,17 @@
     <p:sldMasterId id="2147483648" r:id="rId1"/>
   </p:sldMasterIdLst>
   <p:notesMasterIdLst>
-    <p:notesMasterId r:id="rId8"/>
+    <p:notesMasterId r:id="rId10"/>
   </p:notesMasterIdLst>
   <p:sldIdLst>
     <p:sldId id="257" r:id="rId2"/>
     <p:sldId id="258" r:id="rId3"/>
-    <p:sldId id="261" r:id="rId4"/>
-    <p:sldId id="262" r:id="rId5"/>
-    <p:sldId id="263" r:id="rId6"/>
-    <p:sldId id="265" r:id="rId7"/>
+    <p:sldId id="262" r:id="rId4"/>
+    <p:sldId id="261" r:id="rId5"/>
+    <p:sldId id="266" r:id="rId6"/>
+    <p:sldId id="263" r:id="rId7"/>
+    <p:sldId id="267" r:id="rId8"/>
+    <p:sldId id="265" r:id="rId9"/>
   </p:sldIdLst>
   <p:sldSz cx="12192000" cy="6858000"/>
   <p:notesSz cx="6858000" cy="9144000"/>
@@ -197,7 +199,7 @@
           <a:p>
             <a:fld id="{7F25A8C7-CC1A-4A08-9B4B-31F43B054C7F}" type="datetimeFigureOut">
               <a:rPr lang="zh-CN" altLang="en-US" smtClean="0"/>
-              <a:t>2018/10/15</a:t>
+              <a:t>2018/10/17</a:t>
             </a:fld>
             <a:endParaRPr lang="zh-CN" altLang="en-US"/>
           </a:p>
@@ -597,7 +599,7 @@
           <a:p>
             <a:fld id="{D997B5FA-0921-464F-AAE1-844C04324D75}" type="datetimeFigureOut">
               <a:rPr lang="zh-CN" altLang="en-US" smtClean="0"/>
-              <a:t>2018/10/15</a:t>
+              <a:t>2018/10/17</a:t>
             </a:fld>
             <a:endParaRPr lang="zh-CN" altLang="en-US" dirty="0"/>
           </a:p>
@@ -687,7 +689,7 @@
           <a:p>
             <a:fld id="{760FBDFE-C587-4B4C-A407-44438C67B59E}" type="datetimeFigureOut">
               <a:rPr lang="zh-CN" altLang="en-US" smtClean="0"/>
-              <a:t>2018/10/15</a:t>
+              <a:t>2018/10/17</a:t>
             </a:fld>
             <a:endParaRPr lang="zh-CN" altLang="en-US"/>
           </a:p>
@@ -922,7 +924,7 @@
           <a:p>
             <a:fld id="{760FBDFE-C587-4B4C-A407-44438C67B59E}" type="datetimeFigureOut">
               <a:rPr lang="zh-CN" altLang="en-US" smtClean="0"/>
-              <a:t>2018/10/15</a:t>
+              <a:t>2018/10/17</a:t>
             </a:fld>
             <a:endParaRPr lang="zh-CN" altLang="en-US" dirty="0"/>
           </a:p>
@@ -1012,7 +1014,7 @@
           <a:p>
             <a:fld id="{20DD7636-5BE1-44BC-BB5F-15739D9E18E1}" type="datetimeFigureOut">
               <a:rPr lang="zh-CN" altLang="en-US" smtClean="0"/>
-              <a:t>2018/10/15</a:t>
+              <a:t>2018/10/17</a:t>
             </a:fld>
             <a:endParaRPr lang="zh-CN" altLang="en-US"/>
           </a:p>
@@ -1269,7 +1271,7 @@
           <a:p>
             <a:fld id="{760FBDFE-C587-4B4C-A407-44438C67B59E}" type="datetimeFigureOut">
               <a:rPr lang="zh-CN" altLang="en-US" smtClean="0"/>
-              <a:t>2018/10/15</a:t>
+              <a:t>2018/10/17</a:t>
             </a:fld>
             <a:endParaRPr lang="zh-CN" altLang="en-US"/>
           </a:p>
@@ -1628,7 +1630,7 @@
           <a:p>
             <a:fld id="{760FBDFE-C587-4B4C-A407-44438C67B59E}" type="datetimeFigureOut">
               <a:rPr lang="zh-CN" altLang="en-US" smtClean="0"/>
-              <a:t>2018/10/15</a:t>
+              <a:t>2018/10/17</a:t>
             </a:fld>
             <a:endParaRPr lang="zh-CN" altLang="en-US"/>
           </a:p>
@@ -1755,7 +1757,7 @@
           <a:p>
             <a:fld id="{20DD7636-5BE1-44BC-BB5F-15739D9E18E1}" type="datetimeFigureOut">
               <a:rPr lang="zh-CN" altLang="en-US" smtClean="0"/>
-              <a:t>2018/10/15</a:t>
+              <a:t>2018/10/17</a:t>
             </a:fld>
             <a:endParaRPr lang="zh-CN" altLang="en-US"/>
           </a:p>
@@ -1884,7 +1886,7 @@
           <a:p>
             <a:fld id="{760FBDFE-C587-4B4C-A407-44438C67B59E}" type="datetimeFigureOut">
               <a:rPr lang="zh-CN" altLang="en-US" smtClean="0"/>
-              <a:t>2018/10/15</a:t>
+              <a:t>2018/10/17</a:t>
             </a:fld>
             <a:endParaRPr lang="zh-CN" altLang="en-US"/>
           </a:p>
@@ -2135,7 +2137,7 @@
           <a:p>
             <a:fld id="{9EFD9D74-47D9-4702-A33C-335B63B48DBF}" type="datetimeFigureOut">
               <a:rPr lang="zh-CN" altLang="en-US" smtClean="0"/>
-              <a:t>2018/10/15</a:t>
+              <a:t>2018/10/17</a:t>
             </a:fld>
             <a:endParaRPr lang="zh-CN" altLang="en-US" dirty="0"/>
           </a:p>
@@ -2314,7 +2316,7 @@
           <a:p>
             <a:fld id="{760FBDFE-C587-4B4C-A407-44438C67B59E}" type="datetimeFigureOut">
               <a:rPr lang="zh-CN" altLang="en-US" smtClean="0"/>
-              <a:t>2018/10/15</a:t>
+              <a:t>2018/10/17</a:t>
             </a:fld>
             <a:endParaRPr lang="zh-CN" altLang="en-US"/>
           </a:p>
@@ -2374,9 +2376,15 @@
 <p:sldMaster xmlns:a="http://schemas.openxmlformats.org/drawingml/2006/main" xmlns:r="http://schemas.openxmlformats.org/officeDocument/2006/relationships" xmlns:p="http://schemas.openxmlformats.org/presentationml/2006/main" preserve="1">
   <p:cSld>
     <p:bg>
-      <p:bgRef idx="1001">
-        <a:schemeClr val="bg1"/>
-      </p:bgRef>
+      <p:bgPr>
+        <a:solidFill>
+          <a:schemeClr val="accent1">
+            <a:lumMod val="40000"/>
+            <a:lumOff val="60000"/>
+          </a:schemeClr>
+        </a:solidFill>
+        <a:effectLst/>
+      </p:bgPr>
     </p:bg>
     <p:spTree>
       <p:nvGrpSpPr>
@@ -2530,7 +2538,7 @@
           <a:p>
             <a:fld id="{D997B5FA-0921-464F-AAE1-844C04324D75}" type="datetimeFigureOut">
               <a:rPr lang="zh-CN" altLang="en-US" smtClean="0"/>
-              <a:t>2018/10/15</a:t>
+              <a:t>2018/10/17</a:t>
             </a:fld>
             <a:endParaRPr lang="zh-CN" altLang="en-US" dirty="0"/>
           </a:p>
@@ -3237,12 +3245,18 @@
         </p:nvSpPr>
         <p:spPr>
           <a:xfrm>
-            <a:off x="3909695" y="968375"/>
-            <a:ext cx="7338060" cy="5816977"/>
+            <a:off x="3843012" y="1466173"/>
+            <a:ext cx="7710079" cy="3908762"/>
           </a:xfrm>
           <a:prstGeom prst="rect">
             <a:avLst/>
           </a:prstGeom>
+          <a:solidFill>
+            <a:schemeClr val="accent1">
+              <a:lumMod val="40000"/>
+              <a:lumOff val="60000"/>
+            </a:schemeClr>
+          </a:solidFill>
         </p:spPr>
         <p:style>
           <a:lnRef idx="2">
@@ -3268,16 +3282,15 @@
           <a:p>
             <a:pPr algn="ctr"/>
             <a:r>
-              <a:rPr lang="zh-CN" altLang="en-US" sz="6400" b="1" dirty="0" smtClean="0">
-                <a:solidFill>
-                  <a:schemeClr val="tx1">
-                    <a:lumMod val="95000"/>
-                    <a:lumOff val="5000"/>
+              <a:rPr lang="zh-CN" altLang="en-US" sz="8000" b="1" dirty="0" smtClean="0">
+                <a:solidFill>
+                  <a:schemeClr val="accent5">
+                    <a:lumMod val="75000"/>
                   </a:schemeClr>
                 </a:solidFill>
                 <a:uFillTx/>
-                <a:latin typeface="华文彩云" panose="02010800040101010101" charset="0"/>
-                <a:ea typeface="华文彩云" panose="02010800040101010101" pitchFamily="2" charset="-122"/>
+                <a:latin typeface="华文楷体" pitchFamily="2" charset="-122"/>
+                <a:ea typeface="华文楷体" pitchFamily="2" charset="-122"/>
                 <a:cs typeface="经典繁仿黑" panose="02010609000101010101" pitchFamily="49" charset="-122"/>
               </a:rPr>
               <a:t>开题报告</a:t>
@@ -3285,7 +3298,7 @@
           </a:p>
           <a:p>
             <a:r>
-              <a:rPr lang="zh-CN" altLang="en-US" sz="4400" b="1" dirty="0" smtClean="0">
+              <a:rPr lang="zh-CN" altLang="en-US" sz="2800" b="1" dirty="0" smtClean="0">
                 <a:solidFill>
                   <a:schemeClr val="tx1">
                     <a:lumMod val="95000"/>
@@ -3297,12 +3310,10 @@
                 <a:ea typeface="宋体" panose="02010600030101010101" pitchFamily="2" charset="-122"/>
                 <a:cs typeface="经典繁仿黑" panose="02010609000101010101" pitchFamily="49" charset="-122"/>
               </a:rPr>
-              <a:t>学院：计算机科学技术学院</a:t>
-            </a:r>
-          </a:p>
-          <a:p>
-            <a:r>
-              <a:rPr lang="zh-CN" altLang="en-US" sz="4400" b="1" dirty="0" smtClean="0">
+              <a:t>学院：计算机科学技术</a:t>
+            </a:r>
+            <a:r>
+              <a:rPr lang="zh-CN" altLang="en-US" sz="2800" b="1" dirty="0" smtClean="0">
                 <a:solidFill>
                   <a:schemeClr val="tx1">
                     <a:lumMod val="95000"/>
@@ -3314,24 +3325,9 @@
                 <a:ea typeface="宋体" panose="02010600030101010101" pitchFamily="2" charset="-122"/>
                 <a:cs typeface="经典繁仿黑" panose="02010609000101010101" pitchFamily="49" charset="-122"/>
               </a:rPr>
-              <a:t>姓名</a:t>
-            </a:r>
-            <a:r>
-              <a:rPr lang="zh-CN" altLang="en-US" sz="4400" b="1" dirty="0" smtClean="0">
-                <a:solidFill>
-                  <a:schemeClr val="tx1">
-                    <a:lumMod val="95000"/>
-                    <a:lumOff val="5000"/>
-                  </a:schemeClr>
-                </a:solidFill>
-                <a:uFillTx/>
-                <a:latin typeface="宋体" panose="02010600030101010101" pitchFamily="2" charset="-122"/>
-                <a:ea typeface="宋体" panose="02010600030101010101" pitchFamily="2" charset="-122"/>
-                <a:cs typeface="经典繁仿黑" panose="02010609000101010101" pitchFamily="49" charset="-122"/>
-              </a:rPr>
-              <a:t>：浩日瓦</a:t>
-            </a:r>
-            <a:endParaRPr lang="zh-CN" altLang="en-US" sz="4400" b="1" dirty="0" smtClean="0">
+              <a:t>学院</a:t>
+            </a:r>
+            <a:endParaRPr lang="zh-CN" altLang="en-US" sz="2800" b="1" dirty="0" smtClean="0">
               <a:solidFill>
                 <a:schemeClr val="tx1">
                   <a:lumMod val="95000"/>
@@ -3346,7 +3342,7 @@
           </a:p>
           <a:p>
             <a:r>
-              <a:rPr lang="zh-CN" altLang="en-US" sz="4400" b="1" dirty="0" smtClean="0">
+              <a:rPr lang="zh-CN" altLang="en-US" sz="2800" b="1" dirty="0" smtClean="0">
                 <a:solidFill>
                   <a:schemeClr val="tx1">
                     <a:lumMod val="95000"/>
@@ -3358,10 +3354,10 @@
                 <a:ea typeface="宋体" panose="02010600030101010101" pitchFamily="2" charset="-122"/>
                 <a:cs typeface="经典繁仿黑" panose="02010609000101010101" pitchFamily="49" charset="-122"/>
               </a:rPr>
-              <a:t>班级</a:t>
-            </a:r>
-            <a:r>
-              <a:rPr lang="zh-CN" altLang="en-US" sz="4400" b="1" dirty="0" smtClean="0">
+              <a:t>姓名：浩日</a:t>
+            </a:r>
+            <a:r>
+              <a:rPr lang="zh-CN" altLang="en-US" sz="2800" b="1" dirty="0" smtClean="0">
                 <a:solidFill>
                   <a:schemeClr val="tx1">
                     <a:lumMod val="95000"/>
@@ -3373,39 +3369,9 @@
                 <a:ea typeface="宋体" panose="02010600030101010101" pitchFamily="2" charset="-122"/>
                 <a:cs typeface="经典繁仿黑" panose="02010609000101010101" pitchFamily="49" charset="-122"/>
               </a:rPr>
-              <a:t>：嵌入式</a:t>
-            </a:r>
-            <a:r>
-              <a:rPr lang="en-US" altLang="zh-CN" sz="4400" b="1" dirty="0" smtClean="0">
-                <a:solidFill>
-                  <a:schemeClr val="tx1">
-                    <a:lumMod val="95000"/>
-                    <a:lumOff val="5000"/>
-                  </a:schemeClr>
-                </a:solidFill>
-                <a:uFillTx/>
-                <a:latin typeface="宋体" panose="02010600030101010101" pitchFamily="2" charset="-122"/>
-                <a:ea typeface="宋体" panose="02010600030101010101" pitchFamily="2" charset="-122"/>
-                <a:cs typeface="经典繁仿黑" panose="02010609000101010101" pitchFamily="49" charset="-122"/>
-              </a:rPr>
-              <a:t>2</a:t>
-            </a:r>
-            <a:r>
-              <a:rPr lang="zh-CN" altLang="en-US" sz="4400" b="1" dirty="0" smtClean="0">
-                <a:solidFill>
-                  <a:schemeClr val="tx1">
-                    <a:lumMod val="95000"/>
-                    <a:lumOff val="5000"/>
-                  </a:schemeClr>
-                </a:solidFill>
-                <a:uFillTx/>
-                <a:latin typeface="宋体" panose="02010600030101010101" pitchFamily="2" charset="-122"/>
-                <a:ea typeface="宋体" panose="02010600030101010101" pitchFamily="2" charset="-122"/>
-                <a:cs typeface="经典繁仿黑" panose="02010609000101010101" pitchFamily="49" charset="-122"/>
-              </a:rPr>
-              <a:t>班</a:t>
-            </a:r>
-            <a:endParaRPr lang="en-US" altLang="zh-CN" sz="4400" b="1" dirty="0" smtClean="0">
+              <a:t>瓦</a:t>
+            </a:r>
+            <a:endParaRPr lang="zh-CN" altLang="en-US" sz="2800" b="1" dirty="0" smtClean="0">
               <a:solidFill>
                 <a:schemeClr val="tx1">
                   <a:lumMod val="95000"/>
@@ -3420,7 +3386,7 @@
           </a:p>
           <a:p>
             <a:r>
-              <a:rPr lang="zh-CN" altLang="en-US" sz="4400" b="1" dirty="0" smtClean="0">
+              <a:rPr lang="zh-CN" altLang="en-US" sz="2800" b="1" dirty="0" smtClean="0">
                 <a:solidFill>
                   <a:schemeClr val="tx1">
                     <a:lumMod val="95000"/>
@@ -3432,10 +3398,10 @@
                 <a:ea typeface="宋体" panose="02010600030101010101" pitchFamily="2" charset="-122"/>
                 <a:cs typeface="经典繁仿黑" panose="02010609000101010101" pitchFamily="49" charset="-122"/>
               </a:rPr>
-              <a:t>学</a:t>
-            </a:r>
-            <a:r>
-              <a:rPr lang="zh-CN" altLang="en-US" sz="4400" b="1" dirty="0" smtClean="0">
+              <a:t>班级：嵌入式</a:t>
+            </a:r>
+            <a:r>
+              <a:rPr lang="en-US" altLang="zh-CN" sz="2800" b="1" dirty="0" smtClean="0">
                 <a:solidFill>
                   <a:schemeClr val="tx1">
                     <a:lumMod val="95000"/>
@@ -3447,10 +3413,10 @@
                 <a:ea typeface="宋体" panose="02010600030101010101" pitchFamily="2" charset="-122"/>
                 <a:cs typeface="经典繁仿黑" panose="02010609000101010101" pitchFamily="49" charset="-122"/>
               </a:rPr>
-              <a:t>号：</a:t>
-            </a:r>
-            <a:r>
-              <a:rPr lang="en-US" altLang="zh-CN" sz="4400" b="1" dirty="0" smtClean="0">
+              <a:t>2</a:t>
+            </a:r>
+            <a:r>
+              <a:rPr lang="zh-CN" altLang="en-US" sz="2800" b="1" dirty="0" smtClean="0">
                 <a:solidFill>
                   <a:schemeClr val="tx1">
                     <a:lumMod val="95000"/>
@@ -3462,9 +3428,9 @@
                 <a:ea typeface="宋体" panose="02010600030101010101" pitchFamily="2" charset="-122"/>
                 <a:cs typeface="经典繁仿黑" panose="02010609000101010101" pitchFamily="49" charset="-122"/>
               </a:rPr>
-              <a:t>20151104818</a:t>
-            </a:r>
-            <a:endParaRPr lang="zh-CN" altLang="en-US" sz="4400" b="1" dirty="0" smtClean="0">
+              <a:t>班</a:t>
+            </a:r>
+            <a:endParaRPr lang="en-US" altLang="zh-CN" sz="2800" b="1" dirty="0" smtClean="0">
               <a:solidFill>
                 <a:schemeClr val="tx1">
                   <a:lumMod val="95000"/>
@@ -3479,7 +3445,7 @@
           </a:p>
           <a:p>
             <a:r>
-              <a:rPr lang="zh-CN" altLang="en-US" sz="4400" b="1" dirty="0" smtClean="0">
+              <a:rPr lang="zh-CN" altLang="en-US" sz="2800" b="1" dirty="0" smtClean="0">
                 <a:solidFill>
                   <a:schemeClr val="tx1">
                     <a:lumMod val="95000"/>
@@ -3491,10 +3457,10 @@
                 <a:ea typeface="宋体" panose="02010600030101010101" pitchFamily="2" charset="-122"/>
                 <a:cs typeface="经典繁仿黑" panose="02010609000101010101" pitchFamily="49" charset="-122"/>
               </a:rPr>
-              <a:t>论文题目</a:t>
-            </a:r>
-            <a:r>
-              <a:rPr lang="zh-CN" altLang="en-US" sz="4400" b="1" dirty="0" smtClean="0">
+              <a:t>学号：</a:t>
+            </a:r>
+            <a:r>
+              <a:rPr lang="en-US" altLang="zh-CN" sz="2800" b="1" dirty="0" smtClean="0">
                 <a:solidFill>
                   <a:schemeClr val="tx1">
                     <a:lumMod val="95000"/>
@@ -3506,93 +3472,9 @@
                 <a:ea typeface="宋体" panose="02010600030101010101" pitchFamily="2" charset="-122"/>
                 <a:cs typeface="经典繁仿黑" panose="02010609000101010101" pitchFamily="49" charset="-122"/>
               </a:rPr>
-              <a:t>：</a:t>
-            </a:r>
-            <a:r>
-              <a:rPr lang="zh-CN" altLang="zh-CN" sz="4400" b="1" dirty="0">
-                <a:solidFill>
-                  <a:schemeClr val="tx1">
-                    <a:lumMod val="95000"/>
-                    <a:lumOff val="5000"/>
-                  </a:schemeClr>
-                </a:solidFill>
-                <a:latin typeface="宋体" panose="02010600030101010101" pitchFamily="2" charset="-122"/>
-                <a:ea typeface="宋体" panose="02010600030101010101" pitchFamily="2" charset="-122"/>
-                <a:cs typeface="经典繁仿黑" panose="02010609000101010101" pitchFamily="49" charset="-122"/>
-              </a:rPr>
-              <a:t>基于</a:t>
-            </a:r>
-            <a:r>
-              <a:rPr lang="en-US" altLang="zh-CN" sz="4400" b="1" dirty="0">
-                <a:solidFill>
-                  <a:schemeClr val="tx1">
-                    <a:lumMod val="95000"/>
-                    <a:lumOff val="5000"/>
-                  </a:schemeClr>
-                </a:solidFill>
-                <a:latin typeface="宋体" panose="02010600030101010101" pitchFamily="2" charset="-122"/>
-                <a:ea typeface="宋体" panose="02010600030101010101" pitchFamily="2" charset="-122"/>
-                <a:cs typeface="经典繁仿黑" panose="02010609000101010101" pitchFamily="49" charset="-122"/>
-              </a:rPr>
-              <a:t>SSM</a:t>
-            </a:r>
-            <a:r>
-              <a:rPr lang="zh-CN" altLang="zh-CN" sz="4400" b="1" dirty="0">
-                <a:solidFill>
-                  <a:schemeClr val="tx1">
-                    <a:lumMod val="95000"/>
-                    <a:lumOff val="5000"/>
-                  </a:schemeClr>
-                </a:solidFill>
-                <a:latin typeface="宋体" panose="02010600030101010101" pitchFamily="2" charset="-122"/>
-                <a:ea typeface="宋体" panose="02010600030101010101" pitchFamily="2" charset="-122"/>
-                <a:cs typeface="经典繁仿黑" panose="02010609000101010101" pitchFamily="49" charset="-122"/>
-              </a:rPr>
-              <a:t>飞机订票系统设计与</a:t>
-            </a:r>
-            <a:r>
-              <a:rPr lang="zh-CN" altLang="zh-CN" sz="4400" b="1" dirty="0" smtClean="0">
-                <a:solidFill>
-                  <a:schemeClr val="tx1">
-                    <a:lumMod val="95000"/>
-                    <a:lumOff val="5000"/>
-                  </a:schemeClr>
-                </a:solidFill>
-                <a:latin typeface="宋体" panose="02010600030101010101" pitchFamily="2" charset="-122"/>
-                <a:ea typeface="宋体" panose="02010600030101010101" pitchFamily="2" charset="-122"/>
-                <a:cs typeface="经典繁仿黑" panose="02010609000101010101" pitchFamily="49" charset="-122"/>
-              </a:rPr>
-              <a:t>实现</a:t>
-            </a:r>
-            <a:endParaRPr lang="en-US" altLang="zh-CN" sz="4400" b="1" dirty="0" smtClean="0">
-              <a:solidFill>
-                <a:schemeClr val="tx1">
-                  <a:lumMod val="95000"/>
-                  <a:lumOff val="5000"/>
-                </a:schemeClr>
-              </a:solidFill>
-              <a:latin typeface="宋体" panose="02010600030101010101" pitchFamily="2" charset="-122"/>
-              <a:ea typeface="宋体" panose="02010600030101010101" pitchFamily="2" charset="-122"/>
-              <a:cs typeface="经典繁仿黑" panose="02010609000101010101" pitchFamily="49" charset="-122"/>
-            </a:endParaRPr>
-          </a:p>
-          <a:p>
-            <a:r>
-              <a:rPr lang="zh-CN" altLang="en-US" sz="4400" b="1" dirty="0" smtClean="0">
-                <a:solidFill>
-                  <a:schemeClr val="tx1">
-                    <a:lumMod val="95000"/>
-                    <a:lumOff val="5000"/>
-                  </a:schemeClr>
-                </a:solidFill>
-                <a:uFillTx/>
-                <a:latin typeface="宋体" panose="02010600030101010101" pitchFamily="2" charset="-122"/>
-                <a:ea typeface="宋体" panose="02010600030101010101" pitchFamily="2" charset="-122"/>
-                <a:cs typeface="经典繁仿黑" panose="02010609000101010101" pitchFamily="49" charset="-122"/>
-              </a:rPr>
-              <a:t>老师：高宾</a:t>
-            </a:r>
-            <a:endParaRPr lang="zh-CN" altLang="en-US" sz="4400" b="1" dirty="0" smtClean="0">
+              <a:t>20151104818</a:t>
+            </a:r>
+            <a:endParaRPr lang="zh-CN" altLang="en-US" sz="2800" b="1" dirty="0" smtClean="0">
               <a:solidFill>
                 <a:schemeClr val="tx1">
                   <a:lumMod val="95000"/>
@@ -3605,6 +3487,107 @@
               <a:cs typeface="经典繁仿黑" panose="02010609000101010101" pitchFamily="49" charset="-122"/>
             </a:endParaRPr>
           </a:p>
+          <a:p>
+            <a:r>
+              <a:rPr lang="zh-CN" altLang="en-US" sz="2800" b="1" dirty="0" smtClean="0">
+                <a:solidFill>
+                  <a:schemeClr val="tx1">
+                    <a:lumMod val="95000"/>
+                    <a:lumOff val="5000"/>
+                  </a:schemeClr>
+                </a:solidFill>
+                <a:uFillTx/>
+                <a:latin typeface="宋体" panose="02010600030101010101" pitchFamily="2" charset="-122"/>
+                <a:ea typeface="宋体" panose="02010600030101010101" pitchFamily="2" charset="-122"/>
+                <a:cs typeface="经典繁仿黑" panose="02010609000101010101" pitchFamily="49" charset="-122"/>
+              </a:rPr>
+              <a:t>论文题目：</a:t>
+            </a:r>
+            <a:r>
+              <a:rPr lang="zh-CN" altLang="zh-CN" sz="2800" b="1" dirty="0">
+                <a:solidFill>
+                  <a:schemeClr val="tx1">
+                    <a:lumMod val="95000"/>
+                    <a:lumOff val="5000"/>
+                  </a:schemeClr>
+                </a:solidFill>
+                <a:latin typeface="宋体" panose="02010600030101010101" pitchFamily="2" charset="-122"/>
+                <a:ea typeface="宋体" panose="02010600030101010101" pitchFamily="2" charset="-122"/>
+                <a:cs typeface="经典繁仿黑" panose="02010609000101010101" pitchFamily="49" charset="-122"/>
+              </a:rPr>
+              <a:t>基于</a:t>
+            </a:r>
+            <a:r>
+              <a:rPr lang="en-US" altLang="zh-CN" sz="2800" b="1" dirty="0">
+                <a:solidFill>
+                  <a:schemeClr val="tx1">
+                    <a:lumMod val="95000"/>
+                    <a:lumOff val="5000"/>
+                  </a:schemeClr>
+                </a:solidFill>
+                <a:latin typeface="宋体" panose="02010600030101010101" pitchFamily="2" charset="-122"/>
+                <a:ea typeface="宋体" panose="02010600030101010101" pitchFamily="2" charset="-122"/>
+                <a:cs typeface="经典繁仿黑" panose="02010609000101010101" pitchFamily="49" charset="-122"/>
+              </a:rPr>
+              <a:t>SSM</a:t>
+            </a:r>
+            <a:r>
+              <a:rPr lang="zh-CN" altLang="zh-CN" sz="2800" b="1" dirty="0">
+                <a:solidFill>
+                  <a:schemeClr val="tx1">
+                    <a:lumMod val="95000"/>
+                    <a:lumOff val="5000"/>
+                  </a:schemeClr>
+                </a:solidFill>
+                <a:latin typeface="宋体" panose="02010600030101010101" pitchFamily="2" charset="-122"/>
+                <a:ea typeface="宋体" panose="02010600030101010101" pitchFamily="2" charset="-122"/>
+                <a:cs typeface="经典繁仿黑" panose="02010609000101010101" pitchFamily="49" charset="-122"/>
+              </a:rPr>
+              <a:t>飞机订票系统设计与</a:t>
+            </a:r>
+            <a:r>
+              <a:rPr lang="zh-CN" altLang="zh-CN" sz="2800" b="1" dirty="0" smtClean="0">
+                <a:solidFill>
+                  <a:schemeClr val="tx1">
+                    <a:lumMod val="95000"/>
+                    <a:lumOff val="5000"/>
+                  </a:schemeClr>
+                </a:solidFill>
+                <a:latin typeface="宋体" panose="02010600030101010101" pitchFamily="2" charset="-122"/>
+                <a:ea typeface="宋体" panose="02010600030101010101" pitchFamily="2" charset="-122"/>
+                <a:cs typeface="经典繁仿黑" panose="02010609000101010101" pitchFamily="49" charset="-122"/>
+              </a:rPr>
+              <a:t>实现</a:t>
+            </a:r>
+            <a:endParaRPr lang="en-US" altLang="zh-CN" sz="2800" b="1" dirty="0" smtClean="0">
+              <a:solidFill>
+                <a:schemeClr val="tx1">
+                  <a:lumMod val="95000"/>
+                  <a:lumOff val="5000"/>
+                </a:schemeClr>
+              </a:solidFill>
+              <a:latin typeface="宋体" panose="02010600030101010101" pitchFamily="2" charset="-122"/>
+              <a:ea typeface="宋体" panose="02010600030101010101" pitchFamily="2" charset="-122"/>
+              <a:cs typeface="经典繁仿黑" panose="02010609000101010101" pitchFamily="49" charset="-122"/>
+            </a:endParaRPr>
+          </a:p>
+          <a:p>
+            <a:r>
+              <a:rPr lang="zh-CN" altLang="en-US" sz="2800" b="1" dirty="0" smtClean="0">
+                <a:solidFill>
+                  <a:schemeClr val="tx1">
+                    <a:lumMod val="95000"/>
+                    <a:lumOff val="5000"/>
+                  </a:schemeClr>
+                </a:solidFill>
+                <a:uFillTx/>
+                <a:latin typeface="宋体" panose="02010600030101010101" pitchFamily="2" charset="-122"/>
+                <a:ea typeface="宋体" panose="02010600030101010101" pitchFamily="2" charset="-122"/>
+                <a:cs typeface="经典繁仿黑" panose="02010609000101010101" pitchFamily="49" charset="-122"/>
+              </a:rPr>
+              <a:t>老师：高宾</a:t>
+            </a:r>
+          </a:p>
         </p:txBody>
       </p:sp>
       <p:sp>
@@ -3615,7 +3598,7 @@
         </p:nvSpPr>
         <p:spPr>
           <a:xfrm>
-            <a:off x="3627854" y="583895"/>
+            <a:off x="3627854" y="1270346"/>
             <a:ext cx="430319" cy="384043"/>
           </a:xfrm>
           <a:prstGeom prst="halfFrame">
@@ -3670,7 +3653,7 @@
         </p:nvSpPr>
         <p:spPr>
           <a:xfrm>
-            <a:off x="3407197" y="440769"/>
+            <a:off x="3407197" y="1012269"/>
             <a:ext cx="650976" cy="672075"/>
           </a:xfrm>
           <a:prstGeom prst="halfFrame">
@@ -3735,17 +3718,6 @@
 <file path=ppt/slides/slide2.xml><?xml version="1.0" encoding="utf-8"?>
 <p:sld xmlns:a="http://schemas.openxmlformats.org/drawingml/2006/main" xmlns:r="http://schemas.openxmlformats.org/officeDocument/2006/relationships" xmlns:p="http://schemas.openxmlformats.org/presentationml/2006/main">
   <p:cSld>
-    <p:bg>
-      <p:bgPr>
-        <a:solidFill>
-          <a:schemeClr val="tx1">
-            <a:lumMod val="65000"/>
-            <a:lumOff val="35000"/>
-          </a:schemeClr>
-        </a:solidFill>
-        <a:effectLst/>
-      </p:bgPr>
-    </p:bg>
     <p:spTree>
       <p:nvGrpSpPr>
         <p:cNvPr id="1" name=""/>
@@ -3946,20 +3918,22 @@
       </p:sp>
       <p:sp>
         <p:nvSpPr>
-          <p:cNvPr id="11" name="矩形 10"/>
+          <p:cNvPr id="19" name="矩形 18"/>
           <p:cNvSpPr/>
           <p:nvPr/>
         </p:nvSpPr>
         <p:spPr>
           <a:xfrm>
-            <a:off x="2303955" y="2180861"/>
-            <a:ext cx="768085" cy="768085"/>
+            <a:off x="3990619" y="2763966"/>
+            <a:ext cx="3552395" cy="519556"/>
           </a:xfrm>
           <a:prstGeom prst="rect">
             <a:avLst/>
           </a:prstGeom>
           <a:solidFill>
-            <a:srgbClr val="DB2914"/>
+            <a:schemeClr val="accent1">
+              <a:lumMod val="75000"/>
+            </a:schemeClr>
           </a:solidFill>
           <a:ln>
             <a:noFill/>
@@ -3986,26 +3960,44 @@
           <a:lstStyle/>
           <a:p>
             <a:pPr algn="ctr"/>
-            <a:endParaRPr lang="zh-CN" altLang="en-US" sz="2400"/>
-          </a:p>
-        </p:txBody>
-      </p:sp>
-      <p:sp>
-        <p:nvSpPr>
-          <p:cNvPr id="12" name="矩形 11"/>
+            <a:r>
+              <a:rPr lang="zh-CN" altLang="en-US" sz="2400" dirty="0" smtClean="0">
+                <a:solidFill>
+                  <a:schemeClr val="bg1"/>
+                </a:solidFill>
+                <a:latin typeface="微软雅黑" panose="020B0503020204020204" pitchFamily="34" charset="-122"/>
+                <a:ea typeface="微软雅黑" panose="020B0503020204020204" pitchFamily="34" charset="-122"/>
+              </a:rPr>
+              <a:t>项目功能</a:t>
+            </a:r>
+            <a:endParaRPr lang="zh-CN" altLang="en-US" sz="2400" dirty="0">
+              <a:solidFill>
+                <a:schemeClr val="bg1"/>
+              </a:solidFill>
+              <a:latin typeface="微软雅黑" panose="020B0503020204020204" pitchFamily="34" charset="-122"/>
+              <a:ea typeface="微软雅黑" panose="020B0503020204020204" pitchFamily="34" charset="-122"/>
+            </a:endParaRPr>
+          </a:p>
+        </p:txBody>
+      </p:sp>
+      <p:sp>
+        <p:nvSpPr>
+          <p:cNvPr id="21" name="矩形 20"/>
           <p:cNvSpPr/>
           <p:nvPr/>
         </p:nvSpPr>
         <p:spPr>
           <a:xfrm>
-            <a:off x="2303955" y="3044957"/>
-            <a:ext cx="768085" cy="768085"/>
+            <a:off x="3989869" y="4035056"/>
+            <a:ext cx="3551644" cy="485820"/>
           </a:xfrm>
           <a:prstGeom prst="rect">
             <a:avLst/>
           </a:prstGeom>
           <a:solidFill>
-            <a:srgbClr val="DB2914"/>
+            <a:schemeClr val="accent1">
+              <a:lumMod val="75000"/>
+            </a:schemeClr>
           </a:solidFill>
           <a:ln>
             <a:noFill/>
@@ -4032,26 +4024,40 @@
           <a:lstStyle/>
           <a:p>
             <a:pPr algn="ctr"/>
-            <a:endParaRPr lang="zh-CN" altLang="en-US" sz="2400"/>
-          </a:p>
-        </p:txBody>
-      </p:sp>
-      <p:sp>
-        <p:nvSpPr>
-          <p:cNvPr id="14" name="矩形 13"/>
+            <a:r>
+              <a:rPr lang="zh-CN" altLang="zh-CN" sz="2400" dirty="0" smtClean="0"/>
+              <a:t>设计方案</a:t>
+            </a:r>
+            <a:r>
+              <a:rPr lang="zh-CN" altLang="zh-CN" sz="2400" dirty="0"/>
+              <a:t>及</a:t>
+            </a:r>
+            <a:r>
+              <a:rPr lang="zh-CN" altLang="zh-CN" sz="2400" dirty="0" smtClean="0"/>
+              <a:t>思路</a:t>
+            </a:r>
+            <a:endParaRPr lang="zh-CN" altLang="zh-CN" sz="2400" dirty="0"/>
+          </a:p>
+        </p:txBody>
+      </p:sp>
+      <p:sp>
+        <p:nvSpPr>
+          <p:cNvPr id="25" name="矩形 24"/>
           <p:cNvSpPr/>
           <p:nvPr/>
         </p:nvSpPr>
         <p:spPr>
           <a:xfrm>
-            <a:off x="2307295" y="4013991"/>
-            <a:ext cx="768085" cy="768085"/>
+            <a:off x="3989119" y="4656995"/>
+            <a:ext cx="3552394" cy="532514"/>
           </a:xfrm>
           <a:prstGeom prst="rect">
             <a:avLst/>
           </a:prstGeom>
           <a:solidFill>
-            <a:srgbClr val="DB2914"/>
+            <a:schemeClr val="accent1">
+              <a:lumMod val="75000"/>
+            </a:schemeClr>
           </a:solidFill>
           <a:ln>
             <a:noFill/>
@@ -4078,285 +4084,6 @@
           <a:lstStyle/>
           <a:p>
             <a:pPr algn="ctr"/>
-            <a:endParaRPr lang="zh-CN" altLang="en-US" sz="2400"/>
-          </a:p>
-        </p:txBody>
-      </p:sp>
-      <p:pic>
-        <p:nvPicPr>
-          <p:cNvPr id="2050" name="Picture 2" descr="E:\PPT\0。图片\PNG\2、win7风格\灰色超全扁平化图标\346.png"/>
-          <p:cNvPicPr>
-            <a:picLocks noChangeAspect="1" noChangeArrowheads="1"/>
-          </p:cNvPicPr>
-          <p:nvPr/>
-        </p:nvPicPr>
-        <p:blipFill>
-          <a:blip r:embed="rId2" cstate="print">
-            <a:biLevel thresh="25000"/>
-            <a:extLst>
-              <a:ext uri="{28A0092B-C50C-407E-A947-70E740481C1C}">
-                <a14:useLocalDpi xmlns:a14="http://schemas.microsoft.com/office/drawing/2010/main" val="0"/>
-              </a:ext>
-            </a:extLst>
-          </a:blip>
-          <a:srcRect/>
-          <a:stretch>
-            <a:fillRect/>
-          </a:stretch>
-        </p:blipFill>
-        <p:spPr bwMode="auto">
-          <a:xfrm>
-            <a:off x="2434163" y="2311069"/>
-            <a:ext cx="507669" cy="507669"/>
-          </a:xfrm>
-          <a:prstGeom prst="rect">
-            <a:avLst/>
-          </a:prstGeom>
-          <a:noFill/>
-          <a:extLst>
-            <a:ext uri="{909E8E84-426E-40DD-AFC4-6F175D3DCCD1}">
-              <a14:hiddenFill xmlns:a14="http://schemas.microsoft.com/office/drawing/2010/main">
-                <a:solidFill>
-                  <a:srgbClr val="FFFFFF"/>
-                </a:solidFill>
-              </a14:hiddenFill>
-            </a:ext>
-          </a:extLst>
-        </p:spPr>
-      </p:pic>
-      <p:pic>
-        <p:nvPicPr>
-          <p:cNvPr id="2052" name="Picture 4" descr="E:\PPT\0。图片\PNG\2、win7风格\灰色超全扁平化图标\593.png"/>
-          <p:cNvPicPr>
-            <a:picLocks noChangeAspect="1" noChangeArrowheads="1"/>
-          </p:cNvPicPr>
-          <p:nvPr/>
-        </p:nvPicPr>
-        <p:blipFill>
-          <a:blip r:embed="rId3" cstate="print">
-            <a:biLevel thresh="25000"/>
-            <a:extLst>
-              <a:ext uri="{28A0092B-C50C-407E-A947-70E740481C1C}">
-                <a14:useLocalDpi xmlns:a14="http://schemas.microsoft.com/office/drawing/2010/main" val="0"/>
-              </a:ext>
-            </a:extLst>
-          </a:blip>
-          <a:srcRect/>
-          <a:stretch>
-            <a:fillRect/>
-          </a:stretch>
-        </p:blipFill>
-        <p:spPr bwMode="auto">
-          <a:xfrm>
-            <a:off x="2325831" y="3088831"/>
-            <a:ext cx="699691" cy="699691"/>
-          </a:xfrm>
-          <a:prstGeom prst="rect">
-            <a:avLst/>
-          </a:prstGeom>
-          <a:noFill/>
-          <a:extLst>
-            <a:ext uri="{909E8E84-426E-40DD-AFC4-6F175D3DCCD1}">
-              <a14:hiddenFill xmlns:a14="http://schemas.microsoft.com/office/drawing/2010/main">
-                <a:solidFill>
-                  <a:srgbClr val="FFFFFF"/>
-                </a:solidFill>
-              </a14:hiddenFill>
-            </a:ext>
-          </a:extLst>
-        </p:spPr>
-      </p:pic>
-      <p:pic>
-        <p:nvPicPr>
-          <p:cNvPr id="2053" name="Picture 5" descr="E:\PPT\0。图片\PNG\2、win7风格\灰色超全扁平化图标\831.png"/>
-          <p:cNvPicPr>
-            <a:picLocks noChangeAspect="1" noChangeArrowheads="1"/>
-          </p:cNvPicPr>
-          <p:nvPr/>
-        </p:nvPicPr>
-        <p:blipFill>
-          <a:blip r:embed="rId4" cstate="print">
-            <a:biLevel thresh="25000"/>
-            <a:extLst>
-              <a:ext uri="{28A0092B-C50C-407E-A947-70E740481C1C}">
-                <a14:useLocalDpi xmlns:a14="http://schemas.microsoft.com/office/drawing/2010/main" val="0"/>
-              </a:ext>
-            </a:extLst>
-          </a:blip>
-          <a:srcRect/>
-          <a:stretch>
-            <a:fillRect/>
-          </a:stretch>
-        </p:blipFill>
-        <p:spPr bwMode="auto">
-          <a:xfrm>
-            <a:off x="2347436" y="4125560"/>
-            <a:ext cx="656479" cy="656479"/>
-          </a:xfrm>
-          <a:prstGeom prst="rect">
-            <a:avLst/>
-          </a:prstGeom>
-          <a:noFill/>
-          <a:extLst>
-            <a:ext uri="{909E8E84-426E-40DD-AFC4-6F175D3DCCD1}">
-              <a14:hiddenFill xmlns:a14="http://schemas.microsoft.com/office/drawing/2010/main">
-                <a:solidFill>
-                  <a:srgbClr val="FFFFFF"/>
-                </a:solidFill>
-              </a14:hiddenFill>
-            </a:ext>
-          </a:extLst>
-        </p:spPr>
-      </p:pic>
-      <p:sp>
-        <p:nvSpPr>
-          <p:cNvPr id="19" name="矩形 18"/>
-          <p:cNvSpPr/>
-          <p:nvPr/>
-        </p:nvSpPr>
-        <p:spPr>
-          <a:xfrm>
-            <a:off x="3264063" y="2180861"/>
-            <a:ext cx="3552395" cy="768085"/>
-          </a:xfrm>
-          <a:prstGeom prst="rect">
-            <a:avLst/>
-          </a:prstGeom>
-          <a:solidFill>
-            <a:srgbClr val="2B2B29"/>
-          </a:solidFill>
-          <a:ln>
-            <a:noFill/>
-          </a:ln>
-        </p:spPr>
-        <p:style>
-          <a:lnRef idx="2">
-            <a:schemeClr val="accent1">
-              <a:shade val="50000"/>
-            </a:schemeClr>
-          </a:lnRef>
-          <a:fillRef idx="1">
-            <a:schemeClr val="accent1"/>
-          </a:fillRef>
-          <a:effectRef idx="0">
-            <a:schemeClr val="accent1"/>
-          </a:effectRef>
-          <a:fontRef idx="minor">
-            <a:schemeClr val="lt1"/>
-          </a:fontRef>
-        </p:style>
-        <p:txBody>
-          <a:bodyPr rtlCol="0" anchor="ctr"/>
-          <a:lstStyle/>
-          <a:p>
-            <a:r>
-              <a:rPr lang="zh-CN" altLang="en-US" sz="2400" dirty="0">
-                <a:solidFill>
-                  <a:schemeClr val="bg1"/>
-                </a:solidFill>
-                <a:latin typeface="微软雅黑" panose="020B0503020204020204" pitchFamily="34" charset="-122"/>
-                <a:ea typeface="微软雅黑" panose="020B0503020204020204" pitchFamily="34" charset="-122"/>
-              </a:rPr>
-              <a:t>选题目的</a:t>
-            </a:r>
-          </a:p>
-        </p:txBody>
-      </p:sp>
-      <p:sp>
-        <p:nvSpPr>
-          <p:cNvPr id="21" name="矩形 20"/>
-          <p:cNvSpPr/>
-          <p:nvPr/>
-        </p:nvSpPr>
-        <p:spPr>
-          <a:xfrm>
-            <a:off x="3275399" y="3044957"/>
-            <a:ext cx="3552395" cy="768085"/>
-          </a:xfrm>
-          <a:prstGeom prst="rect">
-            <a:avLst/>
-          </a:prstGeom>
-          <a:solidFill>
-            <a:srgbClr val="2B2B29"/>
-          </a:solidFill>
-          <a:ln>
-            <a:noFill/>
-          </a:ln>
-        </p:spPr>
-        <p:style>
-          <a:lnRef idx="2">
-            <a:schemeClr val="accent1">
-              <a:shade val="50000"/>
-            </a:schemeClr>
-          </a:lnRef>
-          <a:fillRef idx="1">
-            <a:schemeClr val="accent1"/>
-          </a:fillRef>
-          <a:effectRef idx="0">
-            <a:schemeClr val="accent1"/>
-          </a:effectRef>
-          <a:fontRef idx="minor">
-            <a:schemeClr val="lt1"/>
-          </a:fontRef>
-        </p:style>
-        <p:txBody>
-          <a:bodyPr rtlCol="0" anchor="ctr"/>
-          <a:lstStyle/>
-          <a:p>
-            <a:r>
-              <a:rPr lang="zh-CN" altLang="en-US" sz="2400" dirty="0">
-                <a:solidFill>
-                  <a:schemeClr val="bg1"/>
-                </a:solidFill>
-                <a:latin typeface="微软雅黑" panose="020B0503020204020204" pitchFamily="34" charset="-122"/>
-                <a:ea typeface="微软雅黑" panose="020B0503020204020204" pitchFamily="34" charset="-122"/>
-              </a:rPr>
-              <a:t>项目主要功能</a:t>
-            </a:r>
-          </a:p>
-        </p:txBody>
-      </p:sp>
-      <p:sp>
-        <p:nvSpPr>
-          <p:cNvPr id="25" name="矩形 24"/>
-          <p:cNvSpPr/>
-          <p:nvPr/>
-        </p:nvSpPr>
-        <p:spPr>
-          <a:xfrm>
-            <a:off x="3234353" y="4013954"/>
-            <a:ext cx="5308148" cy="768085"/>
-          </a:xfrm>
-          <a:prstGeom prst="rect">
-            <a:avLst/>
-          </a:prstGeom>
-          <a:solidFill>
-            <a:srgbClr val="2B2B29"/>
-          </a:solidFill>
-          <a:ln>
-            <a:noFill/>
-          </a:ln>
-        </p:spPr>
-        <p:style>
-          <a:lnRef idx="2">
-            <a:schemeClr val="accent1">
-              <a:shade val="50000"/>
-            </a:schemeClr>
-          </a:lnRef>
-          <a:fillRef idx="1">
-            <a:schemeClr val="accent1"/>
-          </a:fillRef>
-          <a:effectRef idx="0">
-            <a:schemeClr val="accent1"/>
-          </a:effectRef>
-          <a:fontRef idx="minor">
-            <a:schemeClr val="lt1"/>
-          </a:fontRef>
-        </p:style>
-        <p:txBody>
-          <a:bodyPr rtlCol="0" anchor="ctr"/>
-          <a:lstStyle/>
-          <a:p>
             <a:r>
               <a:rPr lang="zh-CN" altLang="en-US" sz="2400" dirty="0">
                 <a:solidFill>
@@ -4379,7 +4106,7 @@
           <p:nvPr/>
         </p:nvPicPr>
         <p:blipFill>
-          <a:blip r:embed="rId5">
+          <a:blip r:embed="rId2">
             <a:extLst>
               <a:ext uri="{28A0092B-C50C-407E-A947-70E740481C1C}">
                 <a14:useLocalDpi xmlns:a14="http://schemas.microsoft.com/office/drawing/2010/main" val="0"/>
@@ -4443,7 +4170,7 @@
           <p:nvPr/>
         </p:nvPicPr>
         <p:blipFill>
-          <a:blip r:embed="rId6">
+          <a:blip r:embed="rId3">
             <a:extLst>
               <a:ext uri="{28A0092B-C50C-407E-A947-70E740481C1C}">
                 <a14:useLocalDpi xmlns:a14="http://schemas.microsoft.com/office/drawing/2010/main" val="0"/>
@@ -4500,20 +4227,22 @@
       </p:pic>
       <p:sp>
         <p:nvSpPr>
-          <p:cNvPr id="27" name="矩形 26"/>
+          <p:cNvPr id="29" name="矩形 28"/>
           <p:cNvSpPr/>
           <p:nvPr/>
         </p:nvSpPr>
         <p:spPr>
           <a:xfrm>
-            <a:off x="2304704" y="1316765"/>
-            <a:ext cx="768085" cy="768085"/>
+            <a:off x="3988369" y="2026765"/>
+            <a:ext cx="3552394" cy="615877"/>
           </a:xfrm>
           <a:prstGeom prst="rect">
             <a:avLst/>
           </a:prstGeom>
           <a:solidFill>
-            <a:srgbClr val="DB2914"/>
+            <a:schemeClr val="accent1">
+              <a:lumMod val="75000"/>
+            </a:schemeClr>
           </a:solidFill>
           <a:ln>
             <a:noFill/>
@@ -4540,68 +4269,44 @@
           <a:lstStyle/>
           <a:p>
             <a:pPr algn="ctr"/>
-            <a:endParaRPr lang="zh-CN" altLang="en-US" sz="2400"/>
-          </a:p>
-        </p:txBody>
-      </p:sp>
-      <p:pic>
-        <p:nvPicPr>
-          <p:cNvPr id="28" name="Picture 4" descr="E:\PPT\0。图片\PNG\2、win7风格\灰色超全扁平化图标\593.png"/>
-          <p:cNvPicPr>
-            <a:picLocks noChangeAspect="1" noChangeArrowheads="1"/>
-          </p:cNvPicPr>
-          <p:nvPr/>
-        </p:nvPicPr>
-        <p:blipFill>
-          <a:blip r:embed="rId3" cstate="print">
-            <a:biLevel thresh="25000"/>
-            <a:extLst>
-              <a:ext uri="{28A0092B-C50C-407E-A947-70E740481C1C}">
-                <a14:useLocalDpi xmlns:a14="http://schemas.microsoft.com/office/drawing/2010/main" val="0"/>
-              </a:ext>
-            </a:extLst>
-          </a:blip>
-          <a:srcRect/>
-          <a:stretch>
-            <a:fillRect/>
-          </a:stretch>
-        </p:blipFill>
-        <p:spPr bwMode="auto">
-          <a:xfrm>
-            <a:off x="2326580" y="1360639"/>
-            <a:ext cx="699691" cy="699691"/>
-          </a:xfrm>
-          <a:prstGeom prst="rect">
-            <a:avLst/>
-          </a:prstGeom>
-          <a:noFill/>
-          <a:extLst>
-            <a:ext uri="{909E8E84-426E-40DD-AFC4-6F175D3DCCD1}">
-              <a14:hiddenFill xmlns:a14="http://schemas.microsoft.com/office/drawing/2010/main">
-                <a:solidFill>
-                  <a:srgbClr val="FFFFFF"/>
-                </a:solidFill>
-              </a14:hiddenFill>
-            </a:ext>
-          </a:extLst>
-        </p:spPr>
-      </p:pic>
-      <p:sp>
-        <p:nvSpPr>
-          <p:cNvPr id="29" name="矩形 28"/>
+            <a:r>
+              <a:rPr lang="zh-CN" altLang="en-US" sz="2400" dirty="0" smtClean="0">
+                <a:solidFill>
+                  <a:schemeClr val="bg1"/>
+                </a:solidFill>
+                <a:latin typeface="微软雅黑" panose="020B0503020204020204" pitchFamily="34" charset="-122"/>
+                <a:ea typeface="微软雅黑" panose="020B0503020204020204" pitchFamily="34" charset="-122"/>
+              </a:rPr>
+              <a:t>选题意义</a:t>
+            </a:r>
+            <a:endParaRPr lang="zh-CN" altLang="en-US" sz="2400" dirty="0">
+              <a:solidFill>
+                <a:schemeClr val="bg1"/>
+              </a:solidFill>
+              <a:latin typeface="微软雅黑" panose="020B0503020204020204" pitchFamily="34" charset="-122"/>
+              <a:ea typeface="微软雅黑" panose="020B0503020204020204" pitchFamily="34" charset="-122"/>
+            </a:endParaRPr>
+          </a:p>
+        </p:txBody>
+      </p:sp>
+      <p:sp>
+        <p:nvSpPr>
+          <p:cNvPr id="20" name="矩形 19"/>
           <p:cNvSpPr/>
           <p:nvPr/>
         </p:nvSpPr>
         <p:spPr>
           <a:xfrm>
-            <a:off x="3276148" y="1316765"/>
-            <a:ext cx="3552395" cy="768085"/>
+            <a:off x="3989119" y="3396859"/>
+            <a:ext cx="3551644" cy="543209"/>
           </a:xfrm>
           <a:prstGeom prst="rect">
             <a:avLst/>
           </a:prstGeom>
           <a:solidFill>
-            <a:srgbClr val="2B2B29"/>
+            <a:schemeClr val="accent1">
+              <a:lumMod val="75000"/>
+            </a:schemeClr>
           </a:solidFill>
           <a:ln>
             <a:noFill/>
@@ -4627,23 +4332,12 @@
           <a:bodyPr rtlCol="0" anchor="ctr"/>
           <a:lstStyle/>
           <a:p>
-            <a:r>
-              <a:rPr lang="zh-CN" altLang="en-US" sz="2400" dirty="0" smtClean="0">
-                <a:solidFill>
-                  <a:schemeClr val="bg1"/>
-                </a:solidFill>
-                <a:latin typeface="微软雅黑" panose="020B0503020204020204" pitchFamily="34" charset="-122"/>
-                <a:ea typeface="微软雅黑" panose="020B0503020204020204" pitchFamily="34" charset="-122"/>
-              </a:rPr>
-              <a:t>选题意义</a:t>
-            </a:r>
-            <a:endParaRPr lang="zh-CN" altLang="en-US" sz="2400" dirty="0">
-              <a:solidFill>
-                <a:schemeClr val="bg1"/>
-              </a:solidFill>
-              <a:latin typeface="微软雅黑" panose="020B0503020204020204" pitchFamily="34" charset="-122"/>
-              <a:ea typeface="微软雅黑" panose="020B0503020204020204" pitchFamily="34" charset="-122"/>
-            </a:endParaRPr>
+            <a:pPr algn="ctr"/>
+            <a:r>
+              <a:rPr lang="zh-CN" altLang="zh-CN" sz="2400" dirty="0"/>
+              <a:t>主要研究内容</a:t>
+            </a:r>
+            <a:endParaRPr lang="zh-CN" altLang="zh-CN" sz="2400" dirty="0"/>
           </a:p>
         </p:txBody>
       </p:sp>
@@ -4665,17 +4359,6 @@
 <file path=ppt/slides/slide3.xml><?xml version="1.0" encoding="utf-8"?>
 <p:sld xmlns:a="http://schemas.openxmlformats.org/drawingml/2006/main" xmlns:r="http://schemas.openxmlformats.org/officeDocument/2006/relationships" xmlns:p="http://schemas.openxmlformats.org/presentationml/2006/main">
   <p:cSld>
-    <p:bg>
-      <p:bgPr>
-        <a:solidFill>
-          <a:schemeClr val="tx1">
-            <a:lumMod val="65000"/>
-            <a:lumOff val="35000"/>
-          </a:schemeClr>
-        </a:solidFill>
-        <a:effectLst/>
-      </p:bgPr>
-    </p:bg>
     <p:spTree>
       <p:nvGrpSpPr>
         <p:cNvPr id="1" name=""/>
@@ -4692,116 +4375,78 @@
       </p:grpSpPr>
       <p:sp>
         <p:nvSpPr>
-          <p:cNvPr id="4" name="矩形 3"/>
+          <p:cNvPr id="6" name="Freeform 3"/>
           <p:cNvSpPr/>
           <p:nvPr/>
         </p:nvSpPr>
         <p:spPr>
           <a:xfrm>
-            <a:off x="1160837" y="1700808"/>
-            <a:ext cx="10515184" cy="2246769"/>
-          </a:xfrm>
-          <a:prstGeom prst="rect">
+            <a:off x="1197400" y="1065279"/>
+            <a:ext cx="3626707" cy="576064"/>
+          </a:xfrm>
+          <a:custGeom>
             <a:avLst/>
-          </a:prstGeom>
-        </p:spPr>
-        <p:txBody>
-          <a:bodyPr wrap="square">
-            <a:spAutoFit/>
-          </a:bodyPr>
-          <a:lstStyle/>
-          <a:p>
-            <a:r>
-              <a:rPr lang="en-US" altLang="zh-CN" sz="2400" dirty="0" smtClean="0">
-                <a:solidFill>
-                  <a:schemeClr val="bg1"/>
-                </a:solidFill>
-              </a:rPr>
-              <a:t>       </a:t>
-            </a:r>
-            <a:r>
-              <a:rPr lang="zh-CN" altLang="zh-CN" sz="2800" dirty="0" smtClean="0">
-                <a:solidFill>
-                  <a:schemeClr val="bg1"/>
-                </a:solidFill>
-              </a:rPr>
-              <a:t>过去</a:t>
-            </a:r>
-            <a:r>
-              <a:rPr lang="zh-CN" altLang="zh-CN" sz="2800" dirty="0">
-                <a:solidFill>
-                  <a:schemeClr val="bg1"/>
-                </a:solidFill>
-              </a:rPr>
-              <a:t>，乘飞机出行对中国的大部分人来说还是难以想象的。但是如今随着中国经济的飞速发展和生活水平的提高，乘飞机出行似乎已经成为一种很平常的出行方式，但是中国是一个人口大国，据统计</a:t>
-            </a:r>
-            <a:r>
-              <a:rPr lang="en-US" altLang="zh-CN" sz="2800" dirty="0">
-                <a:solidFill>
-                  <a:schemeClr val="bg1"/>
-                </a:solidFill>
-              </a:rPr>
-              <a:t>2018</a:t>
-            </a:r>
-            <a:r>
-              <a:rPr lang="zh-CN" altLang="zh-CN" sz="2800" dirty="0">
-                <a:solidFill>
-                  <a:schemeClr val="bg1"/>
-                </a:solidFill>
-              </a:rPr>
-              <a:t>年中国平均每天的航班数量为</a:t>
-            </a:r>
-            <a:r>
-              <a:rPr lang="en-US" altLang="zh-CN" sz="2800" dirty="0">
-                <a:solidFill>
-                  <a:schemeClr val="bg1"/>
-                </a:solidFill>
-              </a:rPr>
-              <a:t>12112</a:t>
-            </a:r>
-            <a:r>
-              <a:rPr lang="zh-CN" altLang="zh-CN" sz="2800" dirty="0">
-                <a:solidFill>
-                  <a:schemeClr val="bg1"/>
-                </a:solidFill>
-              </a:rPr>
-              <a:t>次。如此庞大的人群如果只靠人力来服务肯定是应接不暇的</a:t>
-            </a:r>
-            <a:r>
-              <a:rPr lang="zh-CN" altLang="zh-CN" sz="2800" dirty="0" smtClean="0">
-                <a:solidFill>
-                  <a:schemeClr val="bg1"/>
-                </a:solidFill>
-              </a:rPr>
-              <a:t>。</a:t>
-            </a:r>
-            <a:endParaRPr lang="zh-CN" altLang="zh-CN" sz="2800" dirty="0">
-              <a:solidFill>
-                <a:schemeClr val="bg1"/>
-              </a:solidFill>
-            </a:endParaRPr>
-          </a:p>
-        </p:txBody>
-      </p:sp>
-      <p:sp>
-        <p:nvSpPr>
-          <p:cNvPr id="5" name="矩形 4"/>
-          <p:cNvSpPr/>
-          <p:nvPr/>
-        </p:nvSpPr>
-        <p:spPr>
-          <a:xfrm>
-            <a:off x="1199456" y="0"/>
-            <a:ext cx="768085" cy="1412776"/>
-          </a:xfrm>
-          <a:prstGeom prst="rect">
-            <a:avLst/>
-          </a:prstGeom>
+            <a:gdLst>
+              <a:gd name="connsiteX0" fmla="*/ 0 w 6181611"/>
+              <a:gd name="connsiteY0" fmla="*/ 0 h 719999"/>
+              <a:gd name="connsiteX1" fmla="*/ 6181610 w 6181611"/>
+              <a:gd name="connsiteY1" fmla="*/ 0 h 719999"/>
+              <a:gd name="connsiteX2" fmla="*/ 6181610 w 6181611"/>
+              <a:gd name="connsiteY2" fmla="*/ 719999 h 719999"/>
+              <a:gd name="connsiteX3" fmla="*/ 0 w 6181611"/>
+              <a:gd name="connsiteY3" fmla="*/ 719999 h 719999"/>
+              <a:gd name="connsiteX4" fmla="*/ 0 w 6181611"/>
+              <a:gd name="connsiteY4" fmla="*/ 0 h 719999"/>
+            </a:gdLst>
+            <a:ahLst/>
+            <a:cxnLst>
+              <a:cxn ang="0">
+                <a:pos x="connsiteX0" y="connsiteY0"/>
+              </a:cxn>
+              <a:cxn ang="1">
+                <a:pos x="connsiteX1" y="connsiteY1"/>
+              </a:cxn>
+              <a:cxn ang="2">
+                <a:pos x="connsiteX2" y="connsiteY2"/>
+              </a:cxn>
+              <a:cxn ang="3">
+                <a:pos x="connsiteX3" y="connsiteY3"/>
+              </a:cxn>
+              <a:cxn ang="4">
+                <a:pos x="connsiteX4" y="connsiteY4"/>
+              </a:cxn>
+            </a:cxnLst>
+            <a:rect l="l" t="t" r="r" b="b"/>
+            <a:pathLst>
+              <a:path w="6181611" h="719999">
+                <a:moveTo>
+                  <a:pt x="0" y="0"/>
+                </a:moveTo>
+                <a:lnTo>
+                  <a:pt x="6181610" y="0"/>
+                </a:lnTo>
+                <a:lnTo>
+                  <a:pt x="6181610" y="719999"/>
+                </a:lnTo>
+                <a:lnTo>
+                  <a:pt x="0" y="719999"/>
+                </a:lnTo>
+                <a:lnTo>
+                  <a:pt x="0" y="0"/>
+                </a:lnTo>
+              </a:path>
+            </a:pathLst>
+          </a:custGeom>
           <a:solidFill>
-            <a:schemeClr val="bg1"/>
+            <a:srgbClr val="FF0000"/>
           </a:solidFill>
-          <a:ln>
-            <a:noFill/>
+          <a:ln w="12700">
+            <a:solidFill>
+              <a:srgbClr val="000000">
+                <a:alpha val="0"/>
+              </a:srgbClr>
+            </a:solidFill>
+            <a:prstDash val="solid"/>
           </a:ln>
         </p:spPr>
         <p:style>
@@ -4825,25 +4470,80 @@
           <a:lstStyle/>
           <a:p>
             <a:pPr algn="ctr"/>
-            <a:endParaRPr lang="zh-CN" altLang="en-US" sz="2400"/>
-          </a:p>
-        </p:txBody>
-      </p:sp>
-      <p:sp>
-        <p:nvSpPr>
-          <p:cNvPr id="6" name="TextBox 5"/>
-          <p:cNvSpPr txBox="1"/>
+            <a:endParaRPr lang="zh-CN" altLang="en-US" sz="2400" dirty="0">
+              <a:latin typeface="微软雅黑" panose="020B0503020204020204" pitchFamily="34" charset="-122"/>
+              <a:ea typeface="微软雅黑" panose="020B0503020204020204" pitchFamily="34" charset="-122"/>
+            </a:endParaRPr>
+          </a:p>
+        </p:txBody>
+      </p:sp>
+      <p:sp>
+        <p:nvSpPr>
+          <p:cNvPr id="4" name="矩形 3"/>
+          <p:cNvSpPr/>
           <p:nvPr/>
         </p:nvSpPr>
         <p:spPr>
           <a:xfrm>
-            <a:off x="1385450" y="274411"/>
-            <a:ext cx="551815" cy="863955"/>
+            <a:off x="1199456" y="-1"/>
+            <a:ext cx="768085" cy="1641344"/>
           </a:xfrm>
           <a:prstGeom prst="rect">
             <a:avLst/>
           </a:prstGeom>
-          <a:noFill/>
+          <a:solidFill>
+            <a:schemeClr val="accent1">
+              <a:lumMod val="75000"/>
+            </a:schemeClr>
+          </a:solidFill>
+          <a:ln>
+            <a:noFill/>
+          </a:ln>
+        </p:spPr>
+        <p:style>
+          <a:lnRef idx="2">
+            <a:schemeClr val="accent1">
+              <a:shade val="50000"/>
+            </a:schemeClr>
+          </a:lnRef>
+          <a:fillRef idx="1">
+            <a:schemeClr val="accent1"/>
+          </a:fillRef>
+          <a:effectRef idx="0">
+            <a:schemeClr val="accent1"/>
+          </a:effectRef>
+          <a:fontRef idx="minor">
+            <a:schemeClr val="lt1"/>
+          </a:fontRef>
+        </p:style>
+        <p:txBody>
+          <a:bodyPr rtlCol="0" anchor="ctr"/>
+          <a:lstStyle/>
+          <a:p>
+            <a:pPr algn="ctr"/>
+            <a:endParaRPr lang="zh-CN" altLang="en-US" sz="2400"/>
+          </a:p>
+        </p:txBody>
+      </p:sp>
+      <p:sp>
+        <p:nvSpPr>
+          <p:cNvPr id="5" name="TextBox 4"/>
+          <p:cNvSpPr txBox="1"/>
+          <p:nvPr/>
+        </p:nvSpPr>
+        <p:spPr>
+          <a:xfrm>
+            <a:off x="1306499" y="86954"/>
+            <a:ext cx="553998" cy="1554389"/>
+          </a:xfrm>
+          <a:prstGeom prst="rect">
+            <a:avLst/>
+          </a:prstGeom>
+          <a:solidFill>
+            <a:schemeClr val="accent1">
+              <a:lumMod val="75000"/>
+            </a:schemeClr>
+          </a:solidFill>
         </p:spPr>
         <p:txBody>
           <a:bodyPr vert="eaVert" wrap="square" rtlCol="0">
@@ -4852,61 +4552,35 @@
           <a:lstStyle/>
           <a:p>
             <a:r>
-              <a:rPr lang="zh-CN" altLang="en-US" sz="2400" b="1" dirty="0">
+              <a:rPr lang="zh-CN" altLang="en-US" sz="2400" b="1" dirty="0" smtClean="0">
+                <a:solidFill>
+                  <a:schemeClr val="bg1"/>
+                </a:solidFill>
                 <a:latin typeface="微软雅黑" panose="020B0503020204020204" pitchFamily="34" charset="-122"/>
                 <a:ea typeface="微软雅黑" panose="020B0503020204020204" pitchFamily="34" charset="-122"/>
               </a:rPr>
-              <a:t>背景</a:t>
-            </a:r>
-          </a:p>
-        </p:txBody>
-      </p:sp>
-    </p:spTree>
-  </p:cSld>
-  <p:clrMapOvr>
-    <a:masterClrMapping/>
-  </p:clrMapOvr>
-</p:sld>
-</file>
-
-<file path=ppt/slides/slide4.xml><?xml version="1.0" encoding="utf-8"?>
-<p:sld xmlns:a="http://schemas.openxmlformats.org/drawingml/2006/main" xmlns:r="http://schemas.openxmlformats.org/officeDocument/2006/relationships" xmlns:p="http://schemas.openxmlformats.org/presentationml/2006/main">
-  <p:cSld>
-    <p:bg>
-      <p:bgPr>
-        <a:solidFill>
-          <a:schemeClr val="tx1">
-            <a:lumMod val="65000"/>
-            <a:lumOff val="35000"/>
-          </a:schemeClr>
-        </a:solidFill>
-        <a:effectLst/>
-      </p:bgPr>
-    </p:bg>
-    <p:spTree>
-      <p:nvGrpSpPr>
-        <p:cNvPr id="1" name=""/>
-        <p:cNvGrpSpPr/>
-        <p:nvPr/>
-      </p:nvGrpSpPr>
-      <p:grpSpPr>
-        <a:xfrm>
-          <a:off x="0" y="0"/>
-          <a:ext cx="0" cy="0"/>
-          <a:chOff x="0" y="0"/>
-          <a:chExt cx="0" cy="0"/>
-        </a:xfrm>
-      </p:grpSpPr>
-      <p:sp>
-        <p:nvSpPr>
-          <p:cNvPr id="6" name="Freeform 3"/>
+              <a:t>选题意义</a:t>
+            </a:r>
+            <a:endParaRPr lang="zh-CN" altLang="en-US" sz="2400" b="1" dirty="0">
+              <a:solidFill>
+                <a:schemeClr val="bg1"/>
+              </a:solidFill>
+              <a:latin typeface="微软雅黑" panose="020B0503020204020204" pitchFamily="34" charset="-122"/>
+              <a:ea typeface="微软雅黑" panose="020B0503020204020204" pitchFamily="34" charset="-122"/>
+            </a:endParaRPr>
+          </a:p>
+        </p:txBody>
+      </p:sp>
+      <p:sp>
+        <p:nvSpPr>
+          <p:cNvPr id="8" name="Freeform 3"/>
           <p:cNvSpPr/>
           <p:nvPr/>
         </p:nvSpPr>
         <p:spPr>
           <a:xfrm>
-            <a:off x="1197400" y="1065279"/>
-            <a:ext cx="3626707" cy="576064"/>
+            <a:off x="7344139" y="5739571"/>
+            <a:ext cx="4896544" cy="72008"/>
           </a:xfrm>
           <a:custGeom>
             <a:avLst/>
@@ -4994,32 +4668,84 @@
           <a:lstStyle/>
           <a:p>
             <a:pPr algn="ctr"/>
-            <a:endParaRPr lang="zh-CN" altLang="en-US" sz="2400" dirty="0">
-              <a:latin typeface="微软雅黑" panose="020B0503020204020204" pitchFamily="34" charset="-122"/>
-              <a:ea typeface="微软雅黑" panose="020B0503020204020204" pitchFamily="34" charset="-122"/>
-            </a:endParaRPr>
-          </a:p>
-        </p:txBody>
-      </p:sp>
-      <p:sp>
-        <p:nvSpPr>
-          <p:cNvPr id="4" name="矩形 3"/>
+            <a:endParaRPr lang="zh-CN" altLang="en-US" sz="2400"/>
+          </a:p>
+        </p:txBody>
+      </p:sp>
+      <p:sp>
+        <p:nvSpPr>
+          <p:cNvPr id="9" name="Freeform 3"/>
           <p:cNvSpPr/>
           <p:nvPr/>
         </p:nvSpPr>
         <p:spPr>
-          <a:xfrm>
-            <a:off x="1199456" y="0"/>
-            <a:ext cx="768085" cy="1412776"/>
-          </a:xfrm>
-          <a:prstGeom prst="rect">
+          <a:xfrm flipV="1">
+            <a:off x="6192011" y="6021287"/>
+            <a:ext cx="6048672" cy="60959"/>
+          </a:xfrm>
+          <a:custGeom>
             <a:avLst/>
-          </a:prstGeom>
+            <a:gdLst>
+              <a:gd name="connsiteX0" fmla="*/ 0 w 6181611"/>
+              <a:gd name="connsiteY0" fmla="*/ 0 h 719999"/>
+              <a:gd name="connsiteX1" fmla="*/ 6181610 w 6181611"/>
+              <a:gd name="connsiteY1" fmla="*/ 0 h 719999"/>
+              <a:gd name="connsiteX2" fmla="*/ 6181610 w 6181611"/>
+              <a:gd name="connsiteY2" fmla="*/ 719999 h 719999"/>
+              <a:gd name="connsiteX3" fmla="*/ 0 w 6181611"/>
+              <a:gd name="connsiteY3" fmla="*/ 719999 h 719999"/>
+              <a:gd name="connsiteX4" fmla="*/ 0 w 6181611"/>
+              <a:gd name="connsiteY4" fmla="*/ 0 h 719999"/>
+            </a:gdLst>
+            <a:ahLst/>
+            <a:cxnLst>
+              <a:cxn ang="0">
+                <a:pos x="connsiteX0" y="connsiteY0"/>
+              </a:cxn>
+              <a:cxn ang="1">
+                <a:pos x="connsiteX1" y="connsiteY1"/>
+              </a:cxn>
+              <a:cxn ang="2">
+                <a:pos x="connsiteX2" y="connsiteY2"/>
+              </a:cxn>
+              <a:cxn ang="3">
+                <a:pos x="connsiteX3" y="connsiteY3"/>
+              </a:cxn>
+              <a:cxn ang="4">
+                <a:pos x="connsiteX4" y="connsiteY4"/>
+              </a:cxn>
+            </a:cxnLst>
+            <a:rect l="l" t="t" r="r" b="b"/>
+            <a:pathLst>
+              <a:path w="6181611" h="719999">
+                <a:moveTo>
+                  <a:pt x="0" y="0"/>
+                </a:moveTo>
+                <a:lnTo>
+                  <a:pt x="6181610" y="0"/>
+                </a:lnTo>
+                <a:lnTo>
+                  <a:pt x="6181610" y="719999"/>
+                </a:lnTo>
+                <a:lnTo>
+                  <a:pt x="0" y="719999"/>
+                </a:lnTo>
+                <a:lnTo>
+                  <a:pt x="0" y="0"/>
+                </a:lnTo>
+              </a:path>
+            </a:pathLst>
+          </a:custGeom>
           <a:solidFill>
-            <a:schemeClr val="bg1"/>
+            <a:srgbClr val="DFD2A0"/>
           </a:solidFill>
-          <a:ln>
-            <a:noFill/>
+          <a:ln w="12700">
+            <a:solidFill>
+              <a:srgbClr val="000000">
+                <a:alpha val="0"/>
+              </a:srgbClr>
+            </a:solidFill>
+            <a:prstDash val="solid"/>
           </a:ln>
         </p:spPr>
         <p:style>
@@ -5049,46 +4775,14 @@
       </p:sp>
       <p:sp>
         <p:nvSpPr>
-          <p:cNvPr id="5" name="TextBox 4"/>
-          <p:cNvSpPr txBox="1"/>
-          <p:nvPr/>
-        </p:nvSpPr>
-        <p:spPr>
-          <a:xfrm>
-            <a:off x="1385450" y="274411"/>
-            <a:ext cx="551815" cy="863955"/>
-          </a:xfrm>
-          <a:prstGeom prst="rect">
-            <a:avLst/>
-          </a:prstGeom>
-          <a:noFill/>
-        </p:spPr>
-        <p:txBody>
-          <a:bodyPr vert="eaVert" wrap="square" rtlCol="0">
-            <a:spAutoFit/>
-          </a:bodyPr>
-          <a:lstStyle/>
-          <a:p>
-            <a:r>
-              <a:rPr lang="zh-CN" altLang="en-US" sz="2400" b="1" dirty="0">
-                <a:latin typeface="微软雅黑" panose="020B0503020204020204" pitchFamily="34" charset="-122"/>
-                <a:ea typeface="微软雅黑" panose="020B0503020204020204" pitchFamily="34" charset="-122"/>
-              </a:rPr>
-              <a:t>目的</a:t>
-            </a:r>
-          </a:p>
-        </p:txBody>
-      </p:sp>
-      <p:sp>
-        <p:nvSpPr>
-          <p:cNvPr id="8" name="Freeform 3"/>
+          <p:cNvPr id="10" name="Freeform 3"/>
           <p:cNvSpPr/>
           <p:nvPr/>
         </p:nvSpPr>
         <p:spPr>
-          <a:xfrm>
-            <a:off x="7344139" y="5739571"/>
-            <a:ext cx="4896544" cy="72008"/>
+          <a:xfrm rot="5400000">
+            <a:off x="10177301" y="4888555"/>
+            <a:ext cx="2981823" cy="72008"/>
           </a:xfrm>
           <a:custGeom>
             <a:avLst/>
@@ -5182,14 +4876,14 @@
       </p:sp>
       <p:sp>
         <p:nvSpPr>
-          <p:cNvPr id="9" name="Freeform 3"/>
+          <p:cNvPr id="11" name="Freeform 3"/>
           <p:cNvSpPr/>
           <p:nvPr/>
         </p:nvSpPr>
         <p:spPr>
-          <a:xfrm flipV="1">
-            <a:off x="6192011" y="6021287"/>
-            <a:ext cx="6048672" cy="60959"/>
+          <a:xfrm rot="5400000" flipV="1">
+            <a:off x="10149388" y="4872179"/>
+            <a:ext cx="3667485" cy="60959"/>
           </a:xfrm>
           <a:custGeom>
             <a:avLst/>
@@ -5283,14 +4977,716 @@
       </p:sp>
       <p:sp>
         <p:nvSpPr>
-          <p:cNvPr id="10" name="Freeform 3"/>
+          <p:cNvPr id="2" name="矩形 1"/>
           <p:cNvSpPr/>
           <p:nvPr/>
         </p:nvSpPr>
         <p:spPr>
-          <a:xfrm rot="5400000">
-            <a:off x="10177301" y="4888555"/>
-            <a:ext cx="2981823" cy="72008"/>
+          <a:xfrm>
+            <a:off x="1860497" y="1852740"/>
+            <a:ext cx="8411281" cy="3477875"/>
+          </a:xfrm>
+          <a:prstGeom prst="rect">
+            <a:avLst/>
+          </a:prstGeom>
+        </p:spPr>
+        <p:txBody>
+          <a:bodyPr wrap="square">
+            <a:spAutoFit/>
+          </a:bodyPr>
+          <a:lstStyle/>
+          <a:p>
+            <a:r>
+              <a:rPr lang="en-US" altLang="zh-CN" sz="2000" dirty="0" smtClean="0"/>
+              <a:t>       </a:t>
+            </a:r>
+            <a:r>
+              <a:rPr lang="zh-CN" altLang="zh-CN" sz="2000" dirty="0" smtClean="0"/>
+              <a:t>过去</a:t>
+            </a:r>
+            <a:r>
+              <a:rPr lang="zh-CN" altLang="zh-CN" sz="2000" dirty="0"/>
+              <a:t>，乘飞机出行对中国的大部分人来说还是难以想象的。但是如今随着中国经济的飞速发展和生活水平的提高，乘飞机出行似乎已经成为一种很平常的出行方式，但是中国是一个人口大国，据统计</a:t>
+            </a:r>
+            <a:r>
+              <a:rPr lang="en-US" altLang="zh-CN" sz="2000" dirty="0"/>
+              <a:t>2018</a:t>
+            </a:r>
+            <a:r>
+              <a:rPr lang="zh-CN" altLang="zh-CN" sz="2000" dirty="0"/>
+              <a:t>年中国平均每天的航班数量为</a:t>
+            </a:r>
+            <a:r>
+              <a:rPr lang="en-US" altLang="zh-CN" sz="2000" dirty="0"/>
+              <a:t>12112</a:t>
+            </a:r>
+            <a:r>
+              <a:rPr lang="zh-CN" altLang="zh-CN" sz="2000" dirty="0"/>
+              <a:t>次。如此庞大的人群如果只靠人力来服务肯定是应接不暇的。</a:t>
+            </a:r>
+          </a:p>
+          <a:p>
+            <a:r>
+              <a:rPr lang="en-US" altLang="zh-CN" sz="2000" dirty="0" smtClean="0"/>
+              <a:t>       </a:t>
+            </a:r>
+            <a:r>
+              <a:rPr lang="zh-CN" altLang="zh-CN" sz="2000" dirty="0" smtClean="0"/>
+              <a:t>但是</a:t>
+            </a:r>
+            <a:r>
+              <a:rPr lang="zh-CN" altLang="zh-CN" sz="2000" dirty="0"/>
+              <a:t>如今也是一个信息化的时代，不管男女老幼都开始或者已经接触网络，所以针对这一现象我们可以做出一个飞机订票系统，这样可以让大批出行的人自己在网上查询自己想要乘坐的航班和余票查询，并且提前订好票，去了机场直接取票，上飞机就可以了，或者因为出行计划有所变动可以直接退票。不仅减轻了机场工作人员的工作负担，还省去了客户要去机场查看航班、排队买票等麻烦，可以大大增加客户出行的体验度。</a:t>
+            </a:r>
+          </a:p>
+        </p:txBody>
+      </p:sp>
+    </p:spTree>
+  </p:cSld>
+  <p:clrMapOvr>
+    <a:masterClrMapping/>
+  </p:clrMapOvr>
+  <p:timing>
+    <p:tnLst>
+      <p:par>
+        <p:cTn id="1" dur="indefinite" restart="never" nodeType="tmRoot"/>
+      </p:par>
+    </p:tnLst>
+  </p:timing>
+</p:sld>
+</file>
+
+<file path=ppt/slides/slide4.xml><?xml version="1.0" encoding="utf-8"?>
+<p:sld xmlns:a="http://schemas.openxmlformats.org/drawingml/2006/main" xmlns:r="http://schemas.openxmlformats.org/officeDocument/2006/relationships" xmlns:p="http://schemas.openxmlformats.org/presentationml/2006/main">
+  <p:cSld>
+    <p:spTree>
+      <p:nvGrpSpPr>
+        <p:cNvPr id="1" name=""/>
+        <p:cNvGrpSpPr/>
+        <p:nvPr/>
+      </p:nvGrpSpPr>
+      <p:grpSpPr>
+        <a:xfrm>
+          <a:off x="0" y="0"/>
+          <a:ext cx="0" cy="0"/>
+          <a:chOff x="0" y="0"/>
+          <a:chExt cx="0" cy="0"/>
+        </a:xfrm>
+      </p:grpSpPr>
+      <p:sp>
+        <p:nvSpPr>
+          <p:cNvPr id="4" name="矩形 3"/>
+          <p:cNvSpPr/>
+          <p:nvPr/>
+        </p:nvSpPr>
+        <p:spPr>
+          <a:xfrm>
+            <a:off x="2068022" y="2790376"/>
+            <a:ext cx="8479426" cy="1631216"/>
+          </a:xfrm>
+          <a:prstGeom prst="rect">
+            <a:avLst/>
+          </a:prstGeom>
+        </p:spPr>
+        <p:txBody>
+          <a:bodyPr wrap="square">
+            <a:spAutoFit/>
+          </a:bodyPr>
+          <a:lstStyle/>
+          <a:p>
+            <a:pPr>
+              <a:lnSpc>
+                <a:spcPct val="150000"/>
+              </a:lnSpc>
+            </a:pPr>
+            <a:r>
+              <a:rPr lang="zh-CN" altLang="zh-CN" sz="2400" dirty="0"/>
+              <a:t>后台信息管理、航班信息查询、目的地信息查询、航线信息查询、用户基本信息、订退票、余票查询</a:t>
+            </a:r>
+            <a:endParaRPr lang="zh-CN" altLang="zh-CN" sz="2400" dirty="0">
+              <a:latin typeface="微软雅黑" panose="020B0503020204020204" pitchFamily="34" charset="-122"/>
+              <a:ea typeface="微软雅黑" panose="020B0503020204020204" pitchFamily="34" charset="-122"/>
+            </a:endParaRPr>
+          </a:p>
+          <a:p>
+            <a:endParaRPr lang="zh-CN" altLang="zh-CN" sz="2800" dirty="0"/>
+          </a:p>
+        </p:txBody>
+      </p:sp>
+      <p:sp>
+        <p:nvSpPr>
+          <p:cNvPr id="5" name="矩形 4"/>
+          <p:cNvSpPr/>
+          <p:nvPr/>
+        </p:nvSpPr>
+        <p:spPr>
+          <a:xfrm>
+            <a:off x="1421067" y="-4527"/>
+            <a:ext cx="754633" cy="1417368"/>
+          </a:xfrm>
+          <a:prstGeom prst="rect">
+            <a:avLst/>
+          </a:prstGeom>
+          <a:solidFill>
+            <a:schemeClr val="accent1">
+              <a:lumMod val="75000"/>
+            </a:schemeClr>
+          </a:solidFill>
+          <a:ln>
+            <a:noFill/>
+          </a:ln>
+        </p:spPr>
+        <p:style>
+          <a:lnRef idx="2">
+            <a:schemeClr val="accent1">
+              <a:shade val="50000"/>
+            </a:schemeClr>
+          </a:lnRef>
+          <a:fillRef idx="1">
+            <a:schemeClr val="accent1"/>
+          </a:fillRef>
+          <a:effectRef idx="0">
+            <a:schemeClr val="accent1"/>
+          </a:effectRef>
+          <a:fontRef idx="minor">
+            <a:schemeClr val="lt1"/>
+          </a:fontRef>
+        </p:style>
+        <p:txBody>
+          <a:bodyPr rtlCol="0" anchor="ctr"/>
+          <a:lstStyle/>
+          <a:p>
+            <a:pPr algn="ctr"/>
+            <a:endParaRPr lang="zh-CN" altLang="en-US" sz="2400"/>
+          </a:p>
+        </p:txBody>
+      </p:sp>
+      <p:sp>
+        <p:nvSpPr>
+          <p:cNvPr id="6" name="TextBox 5"/>
+          <p:cNvSpPr txBox="1"/>
+          <p:nvPr/>
+        </p:nvSpPr>
+        <p:spPr>
+          <a:xfrm>
+            <a:off x="1517281" y="-4527"/>
+            <a:ext cx="553998" cy="1394734"/>
+          </a:xfrm>
+          <a:prstGeom prst="rect">
+            <a:avLst/>
+          </a:prstGeom>
+          <a:noFill/>
+        </p:spPr>
+        <p:txBody>
+          <a:bodyPr vert="eaVert" wrap="square" rtlCol="0">
+            <a:spAutoFit/>
+          </a:bodyPr>
+          <a:lstStyle/>
+          <a:p>
+            <a:pPr algn="ctr"/>
+            <a:r>
+              <a:rPr lang="zh-CN" altLang="en-US" sz="2400" dirty="0" smtClean="0">
+                <a:solidFill>
+                  <a:schemeClr val="bg1"/>
+                </a:solidFill>
+                <a:latin typeface="微软雅黑" panose="020B0503020204020204" pitchFamily="34" charset="-122"/>
+                <a:ea typeface="微软雅黑" panose="020B0503020204020204" pitchFamily="34" charset="-122"/>
+              </a:rPr>
+              <a:t>项目功能</a:t>
+            </a:r>
+            <a:endParaRPr lang="zh-CN" altLang="en-US" sz="2400" dirty="0">
+              <a:solidFill>
+                <a:schemeClr val="bg1"/>
+              </a:solidFill>
+              <a:latin typeface="微软雅黑" panose="020B0503020204020204" pitchFamily="34" charset="-122"/>
+              <a:ea typeface="微软雅黑" panose="020B0503020204020204" pitchFamily="34" charset="-122"/>
+            </a:endParaRPr>
+          </a:p>
+        </p:txBody>
+      </p:sp>
+      <p:sp>
+        <p:nvSpPr>
+          <p:cNvPr id="7" name="半闭框 6"/>
+          <p:cNvSpPr/>
+          <p:nvPr/>
+        </p:nvSpPr>
+        <p:spPr>
+          <a:xfrm>
+            <a:off x="1669632" y="2015005"/>
+            <a:ext cx="430319" cy="384043"/>
+          </a:xfrm>
+          <a:prstGeom prst="halfFrame">
+            <a:avLst>
+              <a:gd name="adj1" fmla="val 15985"/>
+              <a:gd name="adj2" fmla="val 19455"/>
+            </a:avLst>
+          </a:prstGeom>
+          <a:solidFill>
+            <a:srgbClr val="DB2914"/>
+          </a:solidFill>
+          <a:ln>
+            <a:solidFill>
+              <a:srgbClr val="DB2914"/>
+            </a:solidFill>
+          </a:ln>
+        </p:spPr>
+        <p:style>
+          <a:lnRef idx="2">
+            <a:schemeClr val="accent1">
+              <a:shade val="50000"/>
+            </a:schemeClr>
+          </a:lnRef>
+          <a:fillRef idx="1">
+            <a:schemeClr val="accent1"/>
+          </a:fillRef>
+          <a:effectRef idx="0">
+            <a:schemeClr val="accent1"/>
+          </a:effectRef>
+          <a:fontRef idx="minor">
+            <a:schemeClr val="lt1"/>
+          </a:fontRef>
+        </p:style>
+        <p:txBody>
+          <a:bodyPr rtlCol="0" anchor="ctr"/>
+          <a:lstStyle/>
+          <a:p>
+            <a:pPr algn="ctr"/>
+            <a:endParaRPr lang="zh-CN" altLang="en-US" sz="2400">
+              <a:solidFill>
+                <a:schemeClr val="tx1"/>
+              </a:solidFill>
+            </a:endParaRPr>
+          </a:p>
+        </p:txBody>
+      </p:sp>
+      <p:sp>
+        <p:nvSpPr>
+          <p:cNvPr id="8" name="半闭框 7"/>
+          <p:cNvSpPr/>
+          <p:nvPr/>
+        </p:nvSpPr>
+        <p:spPr>
+          <a:xfrm>
+            <a:off x="1417046" y="1757221"/>
+            <a:ext cx="650976" cy="672075"/>
+          </a:xfrm>
+          <a:prstGeom prst="halfFrame">
+            <a:avLst>
+              <a:gd name="adj1" fmla="val 7351"/>
+              <a:gd name="adj2" fmla="val 10820"/>
+            </a:avLst>
+          </a:prstGeom>
+          <a:solidFill>
+            <a:srgbClr val="DB2914"/>
+          </a:solidFill>
+          <a:ln>
+            <a:solidFill>
+              <a:srgbClr val="DB2914"/>
+            </a:solidFill>
+          </a:ln>
+        </p:spPr>
+        <p:style>
+          <a:lnRef idx="2">
+            <a:schemeClr val="accent1">
+              <a:shade val="50000"/>
+            </a:schemeClr>
+          </a:lnRef>
+          <a:fillRef idx="1">
+            <a:schemeClr val="accent1"/>
+          </a:fillRef>
+          <a:effectRef idx="0">
+            <a:schemeClr val="accent1"/>
+          </a:effectRef>
+          <a:fontRef idx="minor">
+            <a:schemeClr val="lt1"/>
+          </a:fontRef>
+        </p:style>
+        <p:txBody>
+          <a:bodyPr rtlCol="0" anchor="ctr"/>
+          <a:lstStyle/>
+          <a:p>
+            <a:pPr algn="ctr"/>
+            <a:endParaRPr lang="zh-CN" altLang="en-US" sz="2400">
+              <a:solidFill>
+                <a:schemeClr val="tx1"/>
+              </a:solidFill>
+            </a:endParaRPr>
+          </a:p>
+        </p:txBody>
+      </p:sp>
+      <p:sp>
+        <p:nvSpPr>
+          <p:cNvPr id="9" name="半闭框 8"/>
+          <p:cNvSpPr/>
+          <p:nvPr/>
+        </p:nvSpPr>
+        <p:spPr>
+          <a:xfrm rot="10800000">
+            <a:off x="10332289" y="4530360"/>
+            <a:ext cx="430319" cy="384043"/>
+          </a:xfrm>
+          <a:prstGeom prst="halfFrame">
+            <a:avLst>
+              <a:gd name="adj1" fmla="val 15985"/>
+              <a:gd name="adj2" fmla="val 19455"/>
+            </a:avLst>
+          </a:prstGeom>
+          <a:solidFill>
+            <a:srgbClr val="DB2914"/>
+          </a:solidFill>
+          <a:ln>
+            <a:solidFill>
+              <a:srgbClr val="DB2914"/>
+            </a:solidFill>
+          </a:ln>
+        </p:spPr>
+        <p:style>
+          <a:lnRef idx="2">
+            <a:schemeClr val="accent1">
+              <a:shade val="50000"/>
+            </a:schemeClr>
+          </a:lnRef>
+          <a:fillRef idx="1">
+            <a:schemeClr val="accent1"/>
+          </a:fillRef>
+          <a:effectRef idx="0">
+            <a:schemeClr val="accent1"/>
+          </a:effectRef>
+          <a:fontRef idx="minor">
+            <a:schemeClr val="lt1"/>
+          </a:fontRef>
+        </p:style>
+        <p:txBody>
+          <a:bodyPr rtlCol="0" anchor="ctr"/>
+          <a:lstStyle/>
+          <a:p>
+            <a:pPr algn="ctr"/>
+            <a:endParaRPr lang="zh-CN" altLang="en-US" sz="2400">
+              <a:solidFill>
+                <a:schemeClr val="tx1"/>
+              </a:solidFill>
+            </a:endParaRPr>
+          </a:p>
+        </p:txBody>
+      </p:sp>
+      <p:sp>
+        <p:nvSpPr>
+          <p:cNvPr id="10" name="半闭框 9"/>
+          <p:cNvSpPr/>
+          <p:nvPr/>
+        </p:nvSpPr>
+        <p:spPr>
+          <a:xfrm rot="10800000">
+            <a:off x="10332289" y="4530360"/>
+            <a:ext cx="650976" cy="672075"/>
+          </a:xfrm>
+          <a:prstGeom prst="halfFrame">
+            <a:avLst>
+              <a:gd name="adj1" fmla="val 7351"/>
+              <a:gd name="adj2" fmla="val 10820"/>
+            </a:avLst>
+          </a:prstGeom>
+          <a:solidFill>
+            <a:srgbClr val="DB2914"/>
+          </a:solidFill>
+          <a:ln>
+            <a:solidFill>
+              <a:srgbClr val="DB2914"/>
+            </a:solidFill>
+          </a:ln>
+        </p:spPr>
+        <p:style>
+          <a:lnRef idx="2">
+            <a:schemeClr val="accent1">
+              <a:shade val="50000"/>
+            </a:schemeClr>
+          </a:lnRef>
+          <a:fillRef idx="1">
+            <a:schemeClr val="accent1"/>
+          </a:fillRef>
+          <a:effectRef idx="0">
+            <a:schemeClr val="accent1"/>
+          </a:effectRef>
+          <a:fontRef idx="minor">
+            <a:schemeClr val="lt1"/>
+          </a:fontRef>
+        </p:style>
+        <p:txBody>
+          <a:bodyPr rtlCol="0" anchor="ctr"/>
+          <a:lstStyle/>
+          <a:p>
+            <a:pPr algn="ctr"/>
+            <a:endParaRPr lang="zh-CN" altLang="en-US" sz="2400">
+              <a:solidFill>
+                <a:schemeClr val="tx1"/>
+              </a:solidFill>
+            </a:endParaRPr>
+          </a:p>
+        </p:txBody>
+      </p:sp>
+    </p:spTree>
+  </p:cSld>
+  <p:clrMapOvr>
+    <a:masterClrMapping/>
+  </p:clrMapOvr>
+  <p:timing>
+    <p:tnLst>
+      <p:par>
+        <p:cTn id="1" dur="indefinite" restart="never" nodeType="tmRoot"/>
+      </p:par>
+    </p:tnLst>
+  </p:timing>
+</p:sld>
+</file>
+
+<file path=ppt/slides/slide5.xml><?xml version="1.0" encoding="utf-8"?>
+<p:sld xmlns:a="http://schemas.openxmlformats.org/drawingml/2006/main" xmlns:r="http://schemas.openxmlformats.org/officeDocument/2006/relationships" xmlns:p="http://schemas.openxmlformats.org/presentationml/2006/main">
+  <p:cSld>
+    <p:spTree>
+      <p:nvGrpSpPr>
+        <p:cNvPr id="1" name=""/>
+        <p:cNvGrpSpPr/>
+        <p:nvPr/>
+      </p:nvGrpSpPr>
+      <p:grpSpPr>
+        <a:xfrm>
+          <a:off x="0" y="0"/>
+          <a:ext cx="0" cy="0"/>
+          <a:chOff x="0" y="0"/>
+          <a:chExt cx="0" cy="0"/>
+        </a:xfrm>
+      </p:grpSpPr>
+      <p:sp>
+        <p:nvSpPr>
+          <p:cNvPr id="3" name="内容占位符 2"/>
+          <p:cNvSpPr>
+            <a:spLocks noGrp="1"/>
+          </p:cNvSpPr>
+          <p:nvPr>
+            <p:ph idx="1"/>
+          </p:nvPr>
+        </p:nvSpPr>
+        <p:spPr>
+          <a:xfrm>
+            <a:off x="2046082" y="1611517"/>
+            <a:ext cx="8555525" cy="3983525"/>
+          </a:xfrm>
+        </p:spPr>
+        <p:txBody>
+          <a:bodyPr>
+            <a:normAutofit fontScale="70000" lnSpcReduction="20000"/>
+          </a:bodyPr>
+          <a:lstStyle/>
+          <a:p>
+            <a:pPr marL="0">
+              <a:lnSpc>
+                <a:spcPct val="120000"/>
+              </a:lnSpc>
+              <a:spcBef>
+                <a:spcPts val="0"/>
+              </a:spcBef>
+            </a:pPr>
+            <a:r>
+              <a:rPr lang="en-US" altLang="zh-CN" sz="2600" dirty="0"/>
+              <a:t>1. </a:t>
+            </a:r>
+            <a:r>
+              <a:rPr lang="zh-CN" altLang="zh-CN" sz="2600" dirty="0"/>
+              <a:t>系统架构的研究：拟采用三层架构，将系统分为</a:t>
+            </a:r>
+            <a:r>
+              <a:rPr lang="en-US" altLang="zh-CN" sz="2600" dirty="0"/>
+              <a:t>UI </a:t>
+            </a:r>
+            <a:r>
+              <a:rPr lang="zh-CN" altLang="zh-CN" sz="2600" dirty="0"/>
+              <a:t>层，业务逻辑层，数据访问层，目前三层架构的思想已经很成熟。研究三层架构，有助于理解软件系统架构</a:t>
+            </a:r>
+            <a:r>
+              <a:rPr lang="zh-CN" altLang="zh-CN" sz="2600" dirty="0" smtClean="0"/>
+              <a:t>。</a:t>
+            </a:r>
+            <a:endParaRPr lang="zh-CN" altLang="zh-CN" sz="2600" dirty="0"/>
+          </a:p>
+          <a:p>
+            <a:pPr marL="0">
+              <a:lnSpc>
+                <a:spcPct val="120000"/>
+              </a:lnSpc>
+              <a:spcBef>
+                <a:spcPts val="0"/>
+              </a:spcBef>
+            </a:pPr>
+            <a:r>
+              <a:rPr lang="en-US" altLang="zh-CN" sz="2600" dirty="0"/>
+              <a:t>2. </a:t>
+            </a:r>
+            <a:r>
+              <a:rPr lang="zh-CN" altLang="zh-CN" sz="2600" dirty="0"/>
+              <a:t>数据库的设计以及优化：针对数据库的设计，结合实际的应用以及理论知识的要求，设计出满足需求的数据库，并且，在后期的维护中，从查询数据库中表的数据来探讨数据库的查询的优化方法，例如在模糊查询中是否使用索引，以及建立索引之后的效率会相对于没有建立时的不同，需要深入的研究数据库的设计和优化</a:t>
+            </a:r>
+          </a:p>
+          <a:p>
+            <a:pPr marL="0">
+              <a:lnSpc>
+                <a:spcPct val="120000"/>
+              </a:lnSpc>
+              <a:spcBef>
+                <a:spcPts val="0"/>
+              </a:spcBef>
+            </a:pPr>
+            <a:r>
+              <a:rPr lang="en-US" altLang="zh-CN" sz="2600" dirty="0"/>
+              <a:t>3. </a:t>
+            </a:r>
+            <a:r>
+              <a:rPr lang="zh-CN" altLang="zh-CN" sz="2600" dirty="0"/>
+              <a:t>用户体验和界面的友好性研究：本系统将使用</a:t>
+            </a:r>
+            <a:r>
+              <a:rPr lang="en-US" altLang="zh-CN" sz="2600" dirty="0"/>
+              <a:t>Ajax </a:t>
+            </a:r>
+            <a:r>
+              <a:rPr lang="zh-CN" altLang="zh-CN" sz="2600" dirty="0"/>
+              <a:t>，</a:t>
+            </a:r>
+            <a:r>
+              <a:rPr lang="en-US" altLang="zh-CN" sz="2600" dirty="0" err="1"/>
+              <a:t>jQuery</a:t>
+            </a:r>
+            <a:r>
+              <a:rPr lang="en-US" altLang="zh-CN" sz="2600" dirty="0"/>
+              <a:t> </a:t>
+            </a:r>
+            <a:r>
+              <a:rPr lang="zh-CN" altLang="zh-CN" sz="2600" dirty="0"/>
+              <a:t>，</a:t>
+            </a:r>
+            <a:r>
+              <a:rPr lang="en-US" altLang="zh-CN" sz="2600" dirty="0"/>
+              <a:t> SSM</a:t>
+            </a:r>
+            <a:r>
+              <a:rPr lang="zh-CN" altLang="zh-CN" sz="2600" dirty="0"/>
+              <a:t>框架等技术和</a:t>
+            </a:r>
+            <a:r>
+              <a:rPr lang="en-US" altLang="zh-CN" sz="2600" dirty="0"/>
+              <a:t>JavaScript </a:t>
+            </a:r>
+            <a:r>
+              <a:rPr lang="zh-CN" altLang="zh-CN" sz="2600" dirty="0"/>
+              <a:t>插件，来提高用户体验和用户交互性。对于与用户界面以及操作方面进行研究，让界面更加美观，操作更加人性化，提高用户交互性和用户体验。</a:t>
+            </a:r>
+          </a:p>
+          <a:p>
+            <a:pPr marL="0">
+              <a:lnSpc>
+                <a:spcPct val="120000"/>
+              </a:lnSpc>
+              <a:spcBef>
+                <a:spcPts val="0"/>
+              </a:spcBef>
+            </a:pPr>
+            <a:r>
+              <a:rPr lang="en-US" altLang="zh-CN" sz="2600" dirty="0"/>
+              <a:t>4. </a:t>
+            </a:r>
+            <a:r>
+              <a:rPr lang="zh-CN" altLang="zh-CN" sz="2600" dirty="0"/>
+              <a:t>网站安全性研究：对重要性信息如密码进行加密，设计安全，合理的数据库，以及表机构。增加安全验证，达到系统安全。</a:t>
+            </a:r>
+          </a:p>
+          <a:p>
+            <a:pPr marL="0">
+              <a:lnSpc>
+                <a:spcPct val="120000"/>
+              </a:lnSpc>
+              <a:spcBef>
+                <a:spcPts val="0"/>
+              </a:spcBef>
+            </a:pPr>
+            <a:r>
+              <a:rPr lang="en-US" altLang="zh-CN" sz="2600" dirty="0"/>
+              <a:t>5. </a:t>
+            </a:r>
+            <a:r>
+              <a:rPr lang="zh-CN" altLang="zh-CN" sz="2600" dirty="0"/>
+              <a:t>用户权限研究：系统基于角色的权限管理，每个角色都有不同的权限，然后将角色授予用户。从而达到权限的安全，用户权限分配合理</a:t>
+            </a:r>
+          </a:p>
+          <a:p>
+            <a:endParaRPr lang="zh-CN" altLang="en-US" dirty="0"/>
+          </a:p>
+        </p:txBody>
+      </p:sp>
+      <p:sp>
+        <p:nvSpPr>
+          <p:cNvPr id="4" name="矩形 3"/>
+          <p:cNvSpPr/>
+          <p:nvPr/>
+        </p:nvSpPr>
+        <p:spPr>
+          <a:xfrm>
+            <a:off x="900693" y="633744"/>
+            <a:ext cx="3363490" cy="760492"/>
+          </a:xfrm>
+          <a:prstGeom prst="rect">
+            <a:avLst/>
+          </a:prstGeom>
+          <a:solidFill>
+            <a:schemeClr val="accent1">
+              <a:lumMod val="75000"/>
+            </a:schemeClr>
+          </a:solidFill>
+          <a:ln>
+            <a:noFill/>
+          </a:ln>
+        </p:spPr>
+        <p:style>
+          <a:lnRef idx="2">
+            <a:schemeClr val="accent1">
+              <a:shade val="50000"/>
+            </a:schemeClr>
+          </a:lnRef>
+          <a:fillRef idx="1">
+            <a:schemeClr val="accent1"/>
+          </a:fillRef>
+          <a:effectRef idx="0">
+            <a:schemeClr val="accent1"/>
+          </a:effectRef>
+          <a:fontRef idx="minor">
+            <a:schemeClr val="lt1"/>
+          </a:fontRef>
+        </p:style>
+        <p:txBody>
+          <a:bodyPr rtlCol="0" anchor="ctr"/>
+          <a:lstStyle/>
+          <a:p>
+            <a:pPr algn="ctr"/>
+            <a:r>
+              <a:rPr lang="zh-CN" altLang="zh-CN" sz="2400" dirty="0"/>
+              <a:t>主要研究</a:t>
+            </a:r>
+            <a:r>
+              <a:rPr lang="zh-CN" altLang="zh-CN" sz="2400" dirty="0" smtClean="0"/>
+              <a:t>内容</a:t>
+            </a:r>
+            <a:endParaRPr lang="zh-CN" altLang="zh-CN" sz="2400" dirty="0"/>
+          </a:p>
+        </p:txBody>
+      </p:sp>
+      <p:sp>
+        <p:nvSpPr>
+          <p:cNvPr id="5" name="Freeform 3"/>
+          <p:cNvSpPr/>
+          <p:nvPr/>
+        </p:nvSpPr>
+        <p:spPr>
+          <a:xfrm>
+            <a:off x="6592702" y="5739572"/>
+            <a:ext cx="4896544" cy="72008"/>
           </a:xfrm>
           <a:custGeom>
             <a:avLst/>
@@ -5384,14 +5780,14 @@
       </p:sp>
       <p:sp>
         <p:nvSpPr>
-          <p:cNvPr id="11" name="Freeform 3"/>
+          <p:cNvPr id="6" name="Freeform 3"/>
           <p:cNvSpPr/>
           <p:nvPr/>
         </p:nvSpPr>
         <p:spPr>
-          <a:xfrm rot="5400000" flipV="1">
-            <a:off x="10149388" y="4872179"/>
-            <a:ext cx="3667485" cy="60959"/>
+          <a:xfrm flipV="1">
+            <a:off x="5440574" y="6021288"/>
+            <a:ext cx="6048672" cy="60959"/>
           </a:xfrm>
           <a:custGeom>
             <a:avLst/>
@@ -5485,111 +5881,115 @@
       </p:sp>
       <p:sp>
         <p:nvSpPr>
-          <p:cNvPr id="2" name="矩形 1"/>
+          <p:cNvPr id="7" name="Freeform 3"/>
           <p:cNvSpPr/>
           <p:nvPr/>
         </p:nvSpPr>
         <p:spPr>
-          <a:xfrm>
-            <a:off x="1937265" y="2242039"/>
-            <a:ext cx="8411281" cy="3046988"/>
-          </a:xfrm>
-          <a:prstGeom prst="rect">
+          <a:xfrm rot="5400000">
+            <a:off x="9425864" y="4888556"/>
+            <a:ext cx="2981823" cy="72008"/>
+          </a:xfrm>
+          <a:custGeom>
             <a:avLst/>
-          </a:prstGeom>
-        </p:spPr>
-        <p:txBody>
-          <a:bodyPr wrap="square">
-            <a:spAutoFit/>
-          </a:bodyPr>
-          <a:lstStyle/>
-          <a:p>
-            <a:r>
-              <a:rPr lang="en-US" altLang="zh-CN" sz="2400" dirty="0">
-                <a:solidFill>
-                  <a:schemeClr val="bg1"/>
-                </a:solidFill>
-              </a:rPr>
-              <a:t> </a:t>
-            </a:r>
-            <a:r>
-              <a:rPr lang="en-US" altLang="zh-CN" sz="2400" dirty="0" smtClean="0">
-                <a:solidFill>
-                  <a:schemeClr val="bg1"/>
-                </a:solidFill>
-              </a:rPr>
-              <a:t>      </a:t>
-            </a:r>
-            <a:r>
-              <a:rPr lang="zh-CN" altLang="zh-CN" sz="2400" dirty="0" smtClean="0">
-                <a:solidFill>
-                  <a:schemeClr val="bg1"/>
-                </a:solidFill>
-              </a:rPr>
-              <a:t>但是</a:t>
-            </a:r>
-            <a:r>
-              <a:rPr lang="zh-CN" altLang="zh-CN" sz="2400" dirty="0">
-                <a:solidFill>
-                  <a:schemeClr val="bg1"/>
-                </a:solidFill>
-              </a:rPr>
-              <a:t>如今也是一个信息化的时代，不管男女老幼都开始或者已经接触网络，所以针对这一现象我们可以做出一个飞机订票系统，这样可以让大批出行的人自己在网上查询自己想要乘坐的航班和余票查询，并且提前订好票，去了机场直接取票，上飞机就可以了，或者因为出行计划有所变动可以直接退票。不仅减轻了机场工作人员的工作负担，还省去了客户要去机场查看航班、排队买票等麻烦，可以大大增加客户出行的体验度。</a:t>
-            </a:r>
-            <a:endParaRPr lang="zh-CN" altLang="en-US" sz="2400" dirty="0">
-              <a:solidFill>
-                <a:schemeClr val="bg1"/>
-              </a:solidFill>
-            </a:endParaRPr>
-          </a:p>
-        </p:txBody>
-      </p:sp>
-    </p:spTree>
-  </p:cSld>
-  <p:clrMapOvr>
-    <a:masterClrMapping/>
-  </p:clrMapOvr>
-</p:sld>
-</file>
-
-<file path=ppt/slides/slide5.xml><?xml version="1.0" encoding="utf-8"?>
-<p:sld xmlns:a="http://schemas.openxmlformats.org/drawingml/2006/main" xmlns:r="http://schemas.openxmlformats.org/officeDocument/2006/relationships" xmlns:p="http://schemas.openxmlformats.org/presentationml/2006/main">
-  <p:cSld>
-    <p:bg>
-      <p:bgPr>
-        <a:solidFill>
-          <a:schemeClr val="tx1">
-            <a:lumMod val="65000"/>
-            <a:lumOff val="35000"/>
-          </a:schemeClr>
-        </a:solidFill>
-        <a:effectLst/>
-      </p:bgPr>
-    </p:bg>
-    <p:spTree>
-      <p:nvGrpSpPr>
-        <p:cNvPr id="1" name=""/>
-        <p:cNvGrpSpPr/>
-        <p:nvPr/>
-      </p:nvGrpSpPr>
-      <p:grpSpPr>
-        <a:xfrm>
-          <a:off x="0" y="0"/>
-          <a:ext cx="0" cy="0"/>
-          <a:chOff x="0" y="0"/>
-          <a:chExt cx="0" cy="0"/>
-        </a:xfrm>
-      </p:grpSpPr>
-      <p:sp>
-        <p:nvSpPr>
-          <p:cNvPr id="6" name="Freeform 3"/>
+            <a:gdLst>
+              <a:gd name="connsiteX0" fmla="*/ 0 w 6181611"/>
+              <a:gd name="connsiteY0" fmla="*/ 0 h 719999"/>
+              <a:gd name="connsiteX1" fmla="*/ 6181610 w 6181611"/>
+              <a:gd name="connsiteY1" fmla="*/ 0 h 719999"/>
+              <a:gd name="connsiteX2" fmla="*/ 6181610 w 6181611"/>
+              <a:gd name="connsiteY2" fmla="*/ 719999 h 719999"/>
+              <a:gd name="connsiteX3" fmla="*/ 0 w 6181611"/>
+              <a:gd name="connsiteY3" fmla="*/ 719999 h 719999"/>
+              <a:gd name="connsiteX4" fmla="*/ 0 w 6181611"/>
+              <a:gd name="connsiteY4" fmla="*/ 0 h 719999"/>
+            </a:gdLst>
+            <a:ahLst/>
+            <a:cxnLst>
+              <a:cxn ang="0">
+                <a:pos x="connsiteX0" y="connsiteY0"/>
+              </a:cxn>
+              <a:cxn ang="1">
+                <a:pos x="connsiteX1" y="connsiteY1"/>
+              </a:cxn>
+              <a:cxn ang="2">
+                <a:pos x="connsiteX2" y="connsiteY2"/>
+              </a:cxn>
+              <a:cxn ang="3">
+                <a:pos x="connsiteX3" y="connsiteY3"/>
+              </a:cxn>
+              <a:cxn ang="4">
+                <a:pos x="connsiteX4" y="connsiteY4"/>
+              </a:cxn>
+            </a:cxnLst>
+            <a:rect l="l" t="t" r="r" b="b"/>
+            <a:pathLst>
+              <a:path w="6181611" h="719999">
+                <a:moveTo>
+                  <a:pt x="0" y="0"/>
+                </a:moveTo>
+                <a:lnTo>
+                  <a:pt x="6181610" y="0"/>
+                </a:lnTo>
+                <a:lnTo>
+                  <a:pt x="6181610" y="719999"/>
+                </a:lnTo>
+                <a:lnTo>
+                  <a:pt x="0" y="719999"/>
+                </a:lnTo>
+                <a:lnTo>
+                  <a:pt x="0" y="0"/>
+                </a:lnTo>
+              </a:path>
+            </a:pathLst>
+          </a:custGeom>
+          <a:solidFill>
+            <a:srgbClr val="DB2914"/>
+          </a:solidFill>
+          <a:ln w="12700">
+            <a:solidFill>
+              <a:srgbClr val="000000">
+                <a:alpha val="0"/>
+              </a:srgbClr>
+            </a:solidFill>
+            <a:prstDash val="solid"/>
+          </a:ln>
+        </p:spPr>
+        <p:style>
+          <a:lnRef idx="2">
+            <a:schemeClr val="accent1">
+              <a:shade val="50000"/>
+            </a:schemeClr>
+          </a:lnRef>
+          <a:fillRef idx="1">
+            <a:schemeClr val="accent1"/>
+          </a:fillRef>
+          <a:effectRef idx="0">
+            <a:schemeClr val="accent1"/>
+          </a:effectRef>
+          <a:fontRef idx="minor">
+            <a:schemeClr val="lt1"/>
+          </a:fontRef>
+        </p:style>
+        <p:txBody>
+          <a:bodyPr rtlCol="0" anchor="ctr"/>
+          <a:lstStyle/>
+          <a:p>
+            <a:pPr algn="ctr"/>
+            <a:endParaRPr lang="zh-CN" altLang="en-US" sz="2400"/>
+          </a:p>
+        </p:txBody>
+      </p:sp>
+      <p:sp>
+        <p:nvSpPr>
+          <p:cNvPr id="8" name="Freeform 3"/>
           <p:cNvSpPr/>
           <p:nvPr/>
         </p:nvSpPr>
         <p:spPr>
-          <a:xfrm>
-            <a:off x="1018330" y="614429"/>
-            <a:ext cx="3626707" cy="576064"/>
+          <a:xfrm rot="5400000" flipV="1">
+            <a:off x="9397951" y="4872180"/>
+            <a:ext cx="3667485" cy="60959"/>
           </a:xfrm>
           <a:custGeom>
             <a:avLst/>
@@ -5677,19 +6077,151 @@
           <a:lstStyle/>
           <a:p>
             <a:pPr algn="ctr"/>
-            <a:r>
-              <a:rPr lang="zh-CN" altLang="en-US" sz="2400" dirty="0">
-                <a:solidFill>
-                  <a:schemeClr val="tx1">
-                    <a:lumMod val="75000"/>
-                    <a:lumOff val="25000"/>
-                  </a:schemeClr>
-                </a:solidFill>
-                <a:latin typeface="微软雅黑" panose="020B0503020204020204" pitchFamily="34" charset="-122"/>
-                <a:ea typeface="微软雅黑" panose="020B0503020204020204" pitchFamily="34" charset="-122"/>
-              </a:rPr>
-              <a:t>项目主要功能</a:t>
-            </a:r>
+            <a:endParaRPr lang="zh-CN" altLang="en-US" sz="2400"/>
+          </a:p>
+        </p:txBody>
+      </p:sp>
+    </p:spTree>
+    <p:extLst>
+      <p:ext uri="{BB962C8B-B14F-4D97-AF65-F5344CB8AC3E}">
+        <p14:creationId xmlns:p14="http://schemas.microsoft.com/office/powerpoint/2010/main" val="2447776940"/>
+      </p:ext>
+    </p:extLst>
+  </p:cSld>
+  <p:clrMapOvr>
+    <a:masterClrMapping/>
+  </p:clrMapOvr>
+  <p:timing>
+    <p:tnLst>
+      <p:par>
+        <p:cTn id="1" dur="indefinite" restart="never" nodeType="tmRoot"/>
+      </p:par>
+    </p:tnLst>
+  </p:timing>
+</p:sld>
+</file>
+
+<file path=ppt/slides/slide6.xml><?xml version="1.0" encoding="utf-8"?>
+<p:sld xmlns:a="http://schemas.openxmlformats.org/drawingml/2006/main" xmlns:r="http://schemas.openxmlformats.org/officeDocument/2006/relationships" xmlns:p="http://schemas.openxmlformats.org/presentationml/2006/main">
+  <p:cSld>
+    <p:spTree>
+      <p:nvGrpSpPr>
+        <p:cNvPr id="1" name=""/>
+        <p:cNvGrpSpPr/>
+        <p:nvPr/>
+      </p:nvGrpSpPr>
+      <p:grpSpPr>
+        <a:xfrm>
+          <a:off x="0" y="0"/>
+          <a:ext cx="0" cy="0"/>
+          <a:chOff x="0" y="0"/>
+          <a:chExt cx="0" cy="0"/>
+        </a:xfrm>
+      </p:grpSpPr>
+      <p:sp>
+        <p:nvSpPr>
+          <p:cNvPr id="6" name="Freeform 3"/>
+          <p:cNvSpPr/>
+          <p:nvPr/>
+        </p:nvSpPr>
+        <p:spPr>
+          <a:xfrm>
+            <a:off x="1018330" y="614429"/>
+            <a:ext cx="3626707" cy="576064"/>
+          </a:xfrm>
+          <a:custGeom>
+            <a:avLst/>
+            <a:gdLst>
+              <a:gd name="connsiteX0" fmla="*/ 0 w 6181611"/>
+              <a:gd name="connsiteY0" fmla="*/ 0 h 719999"/>
+              <a:gd name="connsiteX1" fmla="*/ 6181610 w 6181611"/>
+              <a:gd name="connsiteY1" fmla="*/ 0 h 719999"/>
+              <a:gd name="connsiteX2" fmla="*/ 6181610 w 6181611"/>
+              <a:gd name="connsiteY2" fmla="*/ 719999 h 719999"/>
+              <a:gd name="connsiteX3" fmla="*/ 0 w 6181611"/>
+              <a:gd name="connsiteY3" fmla="*/ 719999 h 719999"/>
+              <a:gd name="connsiteX4" fmla="*/ 0 w 6181611"/>
+              <a:gd name="connsiteY4" fmla="*/ 0 h 719999"/>
+            </a:gdLst>
+            <a:ahLst/>
+            <a:cxnLst>
+              <a:cxn ang="0">
+                <a:pos x="connsiteX0" y="connsiteY0"/>
+              </a:cxn>
+              <a:cxn ang="1">
+                <a:pos x="connsiteX1" y="connsiteY1"/>
+              </a:cxn>
+              <a:cxn ang="2">
+                <a:pos x="connsiteX2" y="connsiteY2"/>
+              </a:cxn>
+              <a:cxn ang="3">
+                <a:pos x="connsiteX3" y="connsiteY3"/>
+              </a:cxn>
+              <a:cxn ang="4">
+                <a:pos x="connsiteX4" y="connsiteY4"/>
+              </a:cxn>
+            </a:cxnLst>
+            <a:rect l="l" t="t" r="r" b="b"/>
+            <a:pathLst>
+              <a:path w="6181611" h="719999">
+                <a:moveTo>
+                  <a:pt x="0" y="0"/>
+                </a:moveTo>
+                <a:lnTo>
+                  <a:pt x="6181610" y="0"/>
+                </a:lnTo>
+                <a:lnTo>
+                  <a:pt x="6181610" y="719999"/>
+                </a:lnTo>
+                <a:lnTo>
+                  <a:pt x="0" y="719999"/>
+                </a:lnTo>
+                <a:lnTo>
+                  <a:pt x="0" y="0"/>
+                </a:lnTo>
+              </a:path>
+            </a:pathLst>
+          </a:custGeom>
+          <a:solidFill>
+            <a:schemeClr val="accent1">
+              <a:lumMod val="75000"/>
+            </a:schemeClr>
+          </a:solidFill>
+          <a:ln w="12700">
+            <a:solidFill>
+              <a:srgbClr val="000000">
+                <a:alpha val="0"/>
+              </a:srgbClr>
+            </a:solidFill>
+            <a:prstDash val="solid"/>
+          </a:ln>
+        </p:spPr>
+        <p:style>
+          <a:lnRef idx="2">
+            <a:schemeClr val="accent1">
+              <a:shade val="50000"/>
+            </a:schemeClr>
+          </a:lnRef>
+          <a:fillRef idx="1">
+            <a:schemeClr val="accent1"/>
+          </a:fillRef>
+          <a:effectRef idx="0">
+            <a:schemeClr val="accent1"/>
+          </a:effectRef>
+          <a:fontRef idx="minor">
+            <a:schemeClr val="lt1"/>
+          </a:fontRef>
+        </p:style>
+        <p:txBody>
+          <a:bodyPr rtlCol="0" anchor="ctr"/>
+          <a:lstStyle/>
+          <a:p>
+            <a:pPr algn="ctr"/>
+            <a:r>
+              <a:rPr lang="zh-CN" altLang="zh-CN" sz="2400" dirty="0"/>
+              <a:t>设计方案及思路</a:t>
+            </a:r>
+            <a:endParaRPr lang="zh-CN" altLang="zh-CN" sz="2400" dirty="0"/>
           </a:p>
         </p:txBody>
       </p:sp>
@@ -5701,8 +6233,8 @@
         </p:nvSpPr>
         <p:spPr>
           <a:xfrm>
-            <a:off x="1287859" y="2930578"/>
-            <a:ext cx="9793088" cy="1135054"/>
+            <a:off x="1256872" y="2441691"/>
+            <a:ext cx="9793088" cy="1938992"/>
           </a:xfrm>
           <a:prstGeom prst="rect">
             <a:avLst/>
@@ -5714,26 +6246,76 @@
           </a:bodyPr>
           <a:lstStyle/>
           <a:p>
-            <a:pPr>
-              <a:lnSpc>
-                <a:spcPct val="150000"/>
-              </a:lnSpc>
-            </a:pPr>
-            <a:r>
-              <a:rPr lang="zh-CN" altLang="zh-CN" sz="2400" dirty="0">
-                <a:solidFill>
-                  <a:schemeClr val="bg1"/>
-                </a:solidFill>
-              </a:rPr>
-              <a:t>后台信息管理、航班信息查询、目的地信息查询、航线信息查询、用户基本信息、订退票、余票查询</a:t>
-            </a:r>
-            <a:endParaRPr lang="zh-CN" altLang="zh-CN" sz="2400" dirty="0">
-              <a:solidFill>
-                <a:schemeClr val="bg1"/>
-              </a:solidFill>
-              <a:latin typeface="微软雅黑" panose="020B0503020204020204" pitchFamily="34" charset="-122"/>
-              <a:ea typeface="微软雅黑" panose="020B0503020204020204" pitchFamily="34" charset="-122"/>
-            </a:endParaRPr>
+            <a:r>
+              <a:rPr lang="en-US" altLang="zh-CN" sz="2400" dirty="0"/>
+              <a:t>1.</a:t>
+            </a:r>
+            <a:r>
+              <a:rPr lang="zh-CN" altLang="zh-CN" sz="2400" dirty="0"/>
+              <a:t>利用</a:t>
+            </a:r>
+            <a:r>
+              <a:rPr lang="en-US" altLang="zh-CN" sz="2400" dirty="0"/>
+              <a:t>java MVC</a:t>
+            </a:r>
+            <a:r>
+              <a:rPr lang="zh-CN" altLang="zh-CN" sz="2400" dirty="0"/>
+              <a:t>开源框架开发系统的代码（系统管理模块、用户管理模块、地图管理模块）</a:t>
+            </a:r>
+          </a:p>
+          <a:p>
+            <a:r>
+              <a:rPr lang="en-US" altLang="zh-CN" sz="2400" dirty="0"/>
+              <a:t>2.</a:t>
+            </a:r>
+            <a:r>
+              <a:rPr lang="zh-CN" altLang="zh-CN" sz="2400" dirty="0"/>
+              <a:t>利用</a:t>
+            </a:r>
+            <a:r>
+              <a:rPr lang="en-US" altLang="zh-CN" sz="2400" dirty="0"/>
+              <a:t>bootstrap</a:t>
+            </a:r>
+            <a:r>
+              <a:rPr lang="zh-CN" altLang="zh-CN" sz="2400" dirty="0"/>
+              <a:t>设计前端页面，包括风格，特效及具体的内容显示。</a:t>
+            </a:r>
+          </a:p>
+          <a:p>
+            <a:r>
+              <a:rPr lang="en-US" altLang="zh-CN" sz="2400" dirty="0"/>
+              <a:t>3.</a:t>
+            </a:r>
+            <a:r>
+              <a:rPr lang="zh-CN" altLang="zh-CN" sz="2400" dirty="0"/>
+              <a:t>采用</a:t>
+            </a:r>
+            <a:r>
+              <a:rPr lang="en-US" altLang="zh-CN" sz="2400" dirty="0" err="1"/>
+              <a:t>ajax</a:t>
+            </a:r>
+            <a:r>
+              <a:rPr lang="zh-CN" altLang="zh-CN" sz="2400" dirty="0"/>
+              <a:t>控制接口访问。</a:t>
+            </a:r>
+          </a:p>
+          <a:p>
+            <a:r>
+              <a:rPr lang="en-US" altLang="zh-CN" sz="2400" dirty="0"/>
+              <a:t>4.</a:t>
+            </a:r>
+            <a:r>
+              <a:rPr lang="zh-CN" altLang="zh-CN" sz="2400" dirty="0"/>
+              <a:t>采用</a:t>
+            </a:r>
+            <a:r>
+              <a:rPr lang="en-US" altLang="zh-CN" sz="2400" dirty="0"/>
+              <a:t>token</a:t>
+            </a:r>
+            <a:r>
+              <a:rPr lang="zh-CN" altLang="zh-CN" sz="2400" dirty="0"/>
+              <a:t>安全验证，保证登录安全。</a:t>
+            </a:r>
           </a:p>
         </p:txBody>
       </p:sp>
@@ -6621,10 +7203,139 @@
   <p:clrMapOvr>
     <a:masterClrMapping/>
   </p:clrMapOvr>
+  <p:timing>
+    <p:tnLst>
+      <p:par>
+        <p:cTn id="1" dur="indefinite" restart="never" nodeType="tmRoot"/>
+      </p:par>
+    </p:tnLst>
+  </p:timing>
 </p:sld>
 </file>
 
-<file path=ppt/slides/slide6.xml><?xml version="1.0" encoding="utf-8"?>
+<file path=ppt/slides/slide7.xml><?xml version="1.0" encoding="utf-8"?>
+<p:sld xmlns:a="http://schemas.openxmlformats.org/drawingml/2006/main" xmlns:r="http://schemas.openxmlformats.org/officeDocument/2006/relationships" xmlns:p="http://schemas.openxmlformats.org/presentationml/2006/main">
+  <p:cSld>
+    <p:spTree>
+      <p:nvGrpSpPr>
+        <p:cNvPr id="1" name=""/>
+        <p:cNvGrpSpPr/>
+        <p:nvPr/>
+      </p:nvGrpSpPr>
+      <p:grpSpPr>
+        <a:xfrm>
+          <a:off x="0" y="0"/>
+          <a:ext cx="0" cy="0"/>
+          <a:chOff x="0" y="0"/>
+          <a:chExt cx="0" cy="0"/>
+        </a:xfrm>
+      </p:grpSpPr>
+      <p:pic>
+        <p:nvPicPr>
+          <p:cNvPr id="4" name="内容占位符 3"/>
+          <p:cNvPicPr>
+            <a:picLocks noGrp="1" noChangeAspect="1"/>
+          </p:cNvPicPr>
+          <p:nvPr>
+            <p:ph idx="1"/>
+          </p:nvPr>
+        </p:nvPicPr>
+        <p:blipFill>
+          <a:blip r:embed="rId2">
+            <a:extLst>
+              <a:ext uri="{28A0092B-C50C-407E-A947-70E740481C1C}">
+                <a14:useLocalDpi xmlns:a14="http://schemas.microsoft.com/office/drawing/2010/main" val="0"/>
+              </a:ext>
+            </a:extLst>
+          </a:blip>
+          <a:stretch>
+            <a:fillRect/>
+          </a:stretch>
+        </p:blipFill>
+        <p:spPr>
+          <a:xfrm>
+            <a:off x="3017682" y="1742360"/>
+            <a:ext cx="5972409" cy="4172051"/>
+          </a:xfrm>
+        </p:spPr>
+      </p:pic>
+      <p:sp>
+        <p:nvSpPr>
+          <p:cNvPr id="5" name="标题 4"/>
+          <p:cNvSpPr>
+            <a:spLocks noGrp="1"/>
+          </p:cNvSpPr>
+          <p:nvPr>
+            <p:ph type="title"/>
+          </p:nvPr>
+        </p:nvSpPr>
+        <p:spPr>
+          <a:xfrm>
+            <a:off x="3313569" y="528087"/>
+            <a:ext cx="5531667" cy="929521"/>
+          </a:xfrm>
+          <a:prstGeom prst="rect">
+            <a:avLst/>
+          </a:prstGeom>
+          <a:solidFill>
+            <a:schemeClr val="accent1">
+              <a:lumMod val="75000"/>
+            </a:schemeClr>
+          </a:solidFill>
+          <a:ln>
+            <a:noFill/>
+          </a:ln>
+        </p:spPr>
+        <p:style>
+          <a:lnRef idx="2">
+            <a:schemeClr val="accent1">
+              <a:shade val="50000"/>
+            </a:schemeClr>
+          </a:lnRef>
+          <a:fillRef idx="1">
+            <a:schemeClr val="accent1"/>
+          </a:fillRef>
+          <a:effectRef idx="0">
+            <a:schemeClr val="accent1"/>
+          </a:effectRef>
+          <a:fontRef idx="minor">
+            <a:schemeClr val="lt1"/>
+          </a:fontRef>
+        </p:style>
+        <p:txBody>
+          <a:bodyPr rtlCol="0" anchor="ctr"/>
+          <a:lstStyle/>
+          <a:p>
+            <a:pPr algn="ctr"/>
+            <a:r>
+              <a:rPr lang="zh-CN" altLang="en-US" sz="2400" dirty="0" smtClean="0"/>
+              <a:t>思路图</a:t>
+            </a:r>
+            <a:endParaRPr lang="zh-CN" altLang="zh-CN" sz="2400" dirty="0"/>
+          </a:p>
+        </p:txBody>
+      </p:sp>
+    </p:spTree>
+    <p:extLst>
+      <p:ext uri="{BB962C8B-B14F-4D97-AF65-F5344CB8AC3E}">
+        <p14:creationId xmlns:p14="http://schemas.microsoft.com/office/powerpoint/2010/main" val="4131556177"/>
+      </p:ext>
+    </p:extLst>
+  </p:cSld>
+  <p:clrMapOvr>
+    <a:masterClrMapping/>
+  </p:clrMapOvr>
+  <p:timing>
+    <p:tnLst>
+      <p:par>
+        <p:cTn id="1" dur="indefinite" restart="never" nodeType="tmRoot"/>
+      </p:par>
+    </p:tnLst>
+  </p:timing>
+</p:sld>
+</file>
+
+<file path=ppt/slides/slide8.xml><?xml version="1.0" encoding="utf-8"?>
 <p:sld xmlns:a="http://schemas.openxmlformats.org/drawingml/2006/main" xmlns:r="http://schemas.openxmlformats.org/officeDocument/2006/relationships" xmlns:p="http://schemas.openxmlformats.org/presentationml/2006/main">
   <p:cSld>
     <p:spTree>
@@ -8740,11 +9451,50 @@
       </a:bgFillStyleLst>
     </a:fmtScheme>
   </a:themeElements>
-  <a:objectDefaults/>
+  <a:objectDefaults>
+    <a:spDef>
+      <a:spPr>
+        <a:solidFill>
+          <a:srgbClr val="2B2B29"/>
+        </a:solidFill>
+        <a:ln>
+          <a:noFill/>
+        </a:ln>
+      </a:spPr>
+      <a:bodyPr rtlCol="0" anchor="ctr"/>
+      <a:lstStyle>
+        <a:defPPr>
+          <a:defRPr sz="2400" dirty="0" smtClean="0">
+            <a:solidFill>
+              <a:schemeClr val="bg1"/>
+            </a:solidFill>
+            <a:latin typeface="微软雅黑" panose="020B0503020204020204" pitchFamily="34" charset="-122"/>
+            <a:ea typeface="微软雅黑" panose="020B0503020204020204" pitchFamily="34" charset="-122"/>
+          </a:defRPr>
+        </a:defPPr>
+      </a:lstStyle>
+      <a:style>
+        <a:lnRef idx="2">
+          <a:schemeClr val="accent1">
+            <a:shade val="50000"/>
+          </a:schemeClr>
+        </a:lnRef>
+        <a:fillRef idx="1">
+          <a:schemeClr val="accent1"/>
+        </a:fillRef>
+        <a:effectRef idx="0">
+          <a:schemeClr val="accent1"/>
+        </a:effectRef>
+        <a:fontRef idx="minor">
+          <a:schemeClr val="lt1"/>
+        </a:fontRef>
+      </a:style>
+    </a:spDef>
+  </a:objectDefaults>
   <a:extraClrSchemeLst/>
   <a:extLst>
     <a:ext uri="{05A4C25C-085E-4340-85A3-A5531E510DB2}">
-      <thm15:themeFamily xmlns:thm15="http://schemas.microsoft.com/office/thememl/2012/main" xmlns="" name="Office Theme" id="{62F939B6-93AF-4DB8-9C6B-D6C7DFDC589F}" vid="{4A3C46E8-61CC-4603-A589-7422A47A8E4A}"/>
+      <thm15:themeFamily xmlns="" xmlns:thm15="http://schemas.microsoft.com/office/thememl/2012/main" name="Office Theme" id="{62F939B6-93AF-4DB8-9C6B-D6C7DFDC589F}" vid="{4A3C46E8-61CC-4603-A589-7422A47A8E4A}"/>
     </a:ext>
   </a:extLst>
 </a:theme>
@@ -9005,7 +9755,7 @@
   <a:extraClrSchemeLst/>
   <a:extLst>
     <a:ext uri="{05A4C25C-085E-4340-85A3-A5531E510DB2}">
-      <thm15:themeFamily xmlns:thm15="http://schemas.microsoft.com/office/thememl/2012/main" xmlns="" name="Office Theme" id="{62F939B6-93AF-4DB8-9C6B-D6C7DFDC589F}" vid="{4A3C46E8-61CC-4603-A589-7422A47A8E4A}"/>
+      <thm15:themeFamily xmlns="" xmlns:thm15="http://schemas.microsoft.com/office/thememl/2012/main" name="Office Theme" id="{62F939B6-93AF-4DB8-9C6B-D6C7DFDC589F}" vid="{4A3C46E8-61CC-4603-A589-7422A47A8E4A}"/>
     </a:ext>
   </a:extLst>
 </a:theme>
